--- a/[报告] SemEval 2019.pptx
+++ b/[报告] SemEval 2019.pptx
@@ -5,21 +5,22 @@
     <p:sldMasterId id="2147483660" r:id="rId1"/>
   </p:sldMasterIdLst>
   <p:notesMasterIdLst>
-    <p:notesMasterId r:id="rId14"/>
+    <p:notesMasterId r:id="rId15"/>
   </p:notesMasterIdLst>
   <p:sldIdLst>
     <p:sldId id="267" r:id="rId2"/>
     <p:sldId id="262" r:id="rId3"/>
     <p:sldId id="266" r:id="rId4"/>
     <p:sldId id="269" r:id="rId5"/>
-    <p:sldId id="268" r:id="rId6"/>
-    <p:sldId id="271" r:id="rId7"/>
-    <p:sldId id="264" r:id="rId8"/>
-    <p:sldId id="265" r:id="rId9"/>
-    <p:sldId id="270" r:id="rId10"/>
-    <p:sldId id="257" r:id="rId11"/>
-    <p:sldId id="258" r:id="rId12"/>
-    <p:sldId id="259" r:id="rId13"/>
+    <p:sldId id="272" r:id="rId6"/>
+    <p:sldId id="268" r:id="rId7"/>
+    <p:sldId id="271" r:id="rId8"/>
+    <p:sldId id="264" r:id="rId9"/>
+    <p:sldId id="265" r:id="rId10"/>
+    <p:sldId id="270" r:id="rId11"/>
+    <p:sldId id="257" r:id="rId12"/>
+    <p:sldId id="258" r:id="rId13"/>
+    <p:sldId id="259" r:id="rId14"/>
   </p:sldIdLst>
   <p:sldSz cx="12192000" cy="6858000"/>
   <p:notesSz cx="6858000" cy="9144000"/>
@@ -211,7 +212,7 @@
           <a:p>
             <a:fld id="{9EE31F0F-F8A7-9A43-B401-B7727186A75D}" type="datetimeFigureOut">
               <a:rPr kumimoji="1" lang="zh-CN" altLang="en-US" smtClean="0"/>
-              <a:t>2018/11/22</a:t>
+              <a:t>2018/11/24</a:t>
             </a:fld>
             <a:endParaRPr kumimoji="1" lang="zh-CN" altLang="en-US"/>
           </a:p>
@@ -628,7 +629,7 @@
           <a:p>
             <a:fld id="{D209BD05-63A1-6340-AA5B-4B8479DB6A99}" type="slidenum">
               <a:rPr kumimoji="1" lang="zh-CN" altLang="en-US" smtClean="0"/>
-              <a:t>9</a:t>
+              <a:t>10</a:t>
             </a:fld>
             <a:endParaRPr kumimoji="1" lang="zh-CN" altLang="en-US"/>
           </a:p>
@@ -873,7 +874,7 @@
           <a:p>
             <a:fld id="{E02AC59C-C032-D047-AF73-28EA3771941F}" type="datetimeFigureOut">
               <a:rPr kumimoji="1" lang="zh-CN" altLang="en-US" smtClean="0"/>
-              <a:t>2018/11/22</a:t>
+              <a:t>2018/11/24</a:t>
             </a:fld>
             <a:endParaRPr kumimoji="1" lang="zh-CN" altLang="en-US"/>
           </a:p>
@@ -1081,7 +1082,7 @@
           <a:p>
             <a:fld id="{E02AC59C-C032-D047-AF73-28EA3771941F}" type="datetimeFigureOut">
               <a:rPr kumimoji="1" lang="zh-CN" altLang="en-US" smtClean="0"/>
-              <a:t>2018/11/22</a:t>
+              <a:t>2018/11/24</a:t>
             </a:fld>
             <a:endParaRPr kumimoji="1" lang="zh-CN" altLang="en-US"/>
           </a:p>
@@ -1337,7 +1338,7 @@
           <a:p>
             <a:fld id="{E02AC59C-C032-D047-AF73-28EA3771941F}" type="datetimeFigureOut">
               <a:rPr kumimoji="1" lang="zh-CN" altLang="en-US" smtClean="0"/>
-              <a:t>2018/11/22</a:t>
+              <a:t>2018/11/24</a:t>
             </a:fld>
             <a:endParaRPr kumimoji="1" lang="zh-CN" altLang="en-US"/>
           </a:p>
@@ -1511,7 +1512,7 @@
           <a:p>
             <a:fld id="{E02AC59C-C032-D047-AF73-28EA3771941F}" type="datetimeFigureOut">
               <a:rPr kumimoji="1" lang="zh-CN" altLang="en-US" smtClean="0"/>
-              <a:t>2018/11/22</a:t>
+              <a:t>2018/11/24</a:t>
             </a:fld>
             <a:endParaRPr kumimoji="1" lang="zh-CN" altLang="en-US"/>
           </a:p>
@@ -1854,7 +1855,7 @@
           <a:p>
             <a:fld id="{E02AC59C-C032-D047-AF73-28EA3771941F}" type="datetimeFigureOut">
               <a:rPr kumimoji="1" lang="zh-CN" altLang="en-US" smtClean="0"/>
-              <a:t>2018/11/22</a:t>
+              <a:t>2018/11/24</a:t>
             </a:fld>
             <a:endParaRPr kumimoji="1" lang="zh-CN" altLang="en-US"/>
           </a:p>
@@ -2129,7 +2130,7 @@
           <a:p>
             <a:fld id="{E02AC59C-C032-D047-AF73-28EA3771941F}" type="datetimeFigureOut">
               <a:rPr kumimoji="1" lang="zh-CN" altLang="en-US" smtClean="0"/>
-              <a:t>2018/11/22</a:t>
+              <a:t>2018/11/24</a:t>
             </a:fld>
             <a:endParaRPr kumimoji="1" lang="zh-CN" altLang="en-US"/>
           </a:p>
@@ -2508,7 +2509,7 @@
           <a:p>
             <a:fld id="{E02AC59C-C032-D047-AF73-28EA3771941F}" type="datetimeFigureOut">
               <a:rPr kumimoji="1" lang="zh-CN" altLang="en-US" smtClean="0"/>
-              <a:t>2018/11/22</a:t>
+              <a:t>2018/11/24</a:t>
             </a:fld>
             <a:endParaRPr kumimoji="1" lang="zh-CN" altLang="en-US"/>
           </a:p>
@@ -2626,7 +2627,7 @@
           <a:p>
             <a:fld id="{E02AC59C-C032-D047-AF73-28EA3771941F}" type="datetimeFigureOut">
               <a:rPr kumimoji="1" lang="zh-CN" altLang="en-US" smtClean="0"/>
-              <a:t>2018/11/22</a:t>
+              <a:t>2018/11/24</a:t>
             </a:fld>
             <a:endParaRPr kumimoji="1" lang="zh-CN" altLang="en-US"/>
           </a:p>
@@ -2797,7 +2798,7 @@
           <a:p>
             <a:fld id="{E02AC59C-C032-D047-AF73-28EA3771941F}" type="datetimeFigureOut">
               <a:rPr kumimoji="1" lang="zh-CN" altLang="en-US" smtClean="0"/>
-              <a:t>2018/11/22</a:t>
+              <a:t>2018/11/24</a:t>
             </a:fld>
             <a:endParaRPr kumimoji="1" lang="zh-CN" altLang="en-US"/>
           </a:p>
@@ -3151,7 +3152,7 @@
           <a:p>
             <a:fld id="{E02AC59C-C032-D047-AF73-28EA3771941F}" type="datetimeFigureOut">
               <a:rPr kumimoji="1" lang="zh-CN" altLang="en-US" smtClean="0"/>
-              <a:t>2018/11/22</a:t>
+              <a:t>2018/11/24</a:t>
             </a:fld>
             <a:endParaRPr kumimoji="1" lang="zh-CN" altLang="en-US"/>
           </a:p>
@@ -3533,7 +3534,7 @@
           <a:p>
             <a:fld id="{E02AC59C-C032-D047-AF73-28EA3771941F}" type="datetimeFigureOut">
               <a:rPr kumimoji="1" lang="zh-CN" altLang="en-US" smtClean="0"/>
-              <a:t>2018/11/22</a:t>
+              <a:t>2018/11/24</a:t>
             </a:fld>
             <a:endParaRPr kumimoji="1" lang="zh-CN" altLang="en-US"/>
           </a:p>
@@ -3820,7 +3821,7 @@
           <a:p>
             <a:fld id="{E02AC59C-C032-D047-AF73-28EA3771941F}" type="datetimeFigureOut">
               <a:rPr kumimoji="1" lang="zh-CN" altLang="en-US" smtClean="0"/>
-              <a:t>2018/11/22</a:t>
+              <a:t>2018/11/24</a:t>
             </a:fld>
             <a:endParaRPr kumimoji="1" lang="zh-CN" altLang="en-US"/>
           </a:p>
@@ -4487,23 +4488,22 @@
         </p:nvSpPr>
         <p:spPr/>
         <p:txBody>
-          <a:bodyPr>
-            <a:normAutofit/>
-          </a:bodyPr>
+          <a:bodyPr/>
           <a:lstStyle/>
           <a:p>
             <a:r>
-              <a:rPr kumimoji="1" lang="en-US" altLang="zh-CN" sz="4000" dirty="0"/>
-              <a:t>Task 6: </a:t>
-            </a:r>
-            <a:r>
-              <a:rPr kumimoji="1" lang="en-US" altLang="zh-CN" sz="4000" dirty="0" err="1"/>
-              <a:t>OffensEval</a:t>
-            </a:r>
-            <a:r>
-              <a:rPr kumimoji="1" lang="en-US" altLang="zh-CN" sz="4000" dirty="0"/>
-              <a:t>: Identifying and Categorizing Offensive Language in Social Media</a:t>
-            </a:r>
+              <a:rPr lang="en-US" altLang="zh-CN" dirty="0"/>
+              <a:t>Task 5 - Shared Task on Multilingual Detection of Hate (</a:t>
+            </a:r>
+            <a:r>
+              <a:rPr lang="en-US" altLang="zh-CN" dirty="0" err="1"/>
+              <a:t>hatEval</a:t>
+            </a:r>
+            <a:r>
+              <a:rPr lang="en-US" altLang="zh-CN" dirty="0"/>
+              <a:t>)</a:t>
+            </a:r>
+            <a:endParaRPr kumimoji="1" lang="zh-CN" altLang="en-US" dirty="0"/>
           </a:p>
         </p:txBody>
       </p:sp>
@@ -4514,218 +4514,981 @@
             <a:spLocks noGrp="1"/>
           </p:cNvSpPr>
           <p:nvPr>
-            <p:ph idx="1"/>
-          </p:nvPr>
-        </p:nvSpPr>
-        <p:spPr/>
+            <p:ph sz="half" idx="1"/>
+          </p:nvPr>
+        </p:nvSpPr>
+        <p:spPr>
+          <a:xfrm>
+            <a:off x="1097279" y="1845734"/>
+            <a:ext cx="3617596" cy="4023360"/>
+          </a:xfrm>
+        </p:spPr>
         <p:txBody>
           <a:bodyPr>
             <a:normAutofit/>
           </a:bodyPr>
           <a:lstStyle/>
           <a:p>
+            <a:r>
+              <a:rPr kumimoji="1" lang="en-US" altLang="zh-CN" dirty="0" smtClean="0"/>
+              <a:t>Dataset</a:t>
+            </a:r>
+          </a:p>
+          <a:p>
+            <a:pPr lvl="1"/>
+            <a:r>
+              <a:rPr kumimoji="1" lang="en-US" altLang="zh-CN" dirty="0" smtClean="0"/>
+              <a:t>English</a:t>
+            </a:r>
+          </a:p>
+          <a:p>
+            <a:pPr lvl="2"/>
+            <a:r>
+              <a:rPr kumimoji="1" lang="en-US" altLang="zh-CN" dirty="0" smtClean="0"/>
+              <a:t>Train/Dev/Trial  </a:t>
+            </a:r>
+            <a:r>
+              <a:rPr kumimoji="1" lang="en-US" altLang="zh-CN" dirty="0"/>
+              <a:t>9000 </a:t>
+            </a:r>
+            <a:r>
+              <a:rPr kumimoji="1" lang="en-US" altLang="zh-CN" dirty="0" smtClean="0"/>
+              <a:t>/1000/100 samples</a:t>
+            </a:r>
+          </a:p>
+          <a:p>
+            <a:pPr lvl="1"/>
+            <a:r>
+              <a:rPr kumimoji="1" lang="en-US" altLang="zh-CN" dirty="0" err="1" smtClean="0"/>
+              <a:t>Espanol</a:t>
+            </a:r>
             <a:endParaRPr kumimoji="1" lang="en-US" altLang="zh-CN" dirty="0" smtClean="0"/>
           </a:p>
           <a:p>
+            <a:pPr lvl="2"/>
+            <a:r>
+              <a:rPr kumimoji="1" lang="en-US" altLang="zh-CN" dirty="0" err="1" smtClean="0"/>
+              <a:t>TrainDev</a:t>
+            </a:r>
             <a:r>
               <a:rPr kumimoji="1" lang="en-US" altLang="zh-CN" dirty="0" smtClean="0"/>
-              <a:t>Motivation</a:t>
+              <a:t>/Trial</a:t>
+            </a:r>
+            <a:r>
+              <a:rPr kumimoji="1" lang="en-US" altLang="zh-CN" dirty="0"/>
+              <a:t>: 4500/500/100 samples</a:t>
             </a:r>
           </a:p>
           <a:p>
             <a:pPr lvl="1"/>
-            <a:r>
-              <a:rPr lang="en-US" altLang="zh-CN" dirty="0" smtClean="0"/>
-              <a:t>Offensive </a:t>
-            </a:r>
-            <a:r>
-              <a:rPr lang="en-US" altLang="zh-CN" dirty="0"/>
-              <a:t>language is pervasive in social media. Individuals frequently take advantage of the perceived </a:t>
-            </a:r>
-            <a:r>
-              <a:rPr lang="en-US" altLang="zh-CN" b="1" dirty="0" smtClean="0">
+            <a:endParaRPr kumimoji="1" lang="en-US" altLang="zh-CN" dirty="0" smtClean="0"/>
+          </a:p>
+        </p:txBody>
+      </p:sp>
+      <p:sp>
+        <p:nvSpPr>
+          <p:cNvPr id="9" name="内容占位符 8"/>
+          <p:cNvSpPr>
+            <a:spLocks noGrp="1"/>
+          </p:cNvSpPr>
+          <p:nvPr>
+            <p:ph sz="half" idx="2"/>
+          </p:nvPr>
+        </p:nvSpPr>
+        <p:spPr>
+          <a:xfrm>
+            <a:off x="5000625" y="1845735"/>
+            <a:ext cx="6155055" cy="4023360"/>
+          </a:xfrm>
+        </p:spPr>
+        <p:txBody>
+          <a:bodyPr>
+            <a:normAutofit/>
+          </a:bodyPr>
+          <a:lstStyle/>
+          <a:p>
+            <a:endParaRPr kumimoji="1" lang="en-US" altLang="zh-CN" sz="1600" dirty="0" smtClean="0"/>
+          </a:p>
+          <a:p>
+            <a:r>
+              <a:rPr kumimoji="1" lang="en-US" altLang="zh-CN" sz="1600" dirty="0" smtClean="0"/>
+              <a:t>Label</a:t>
+            </a:r>
+          </a:p>
+          <a:p>
+            <a:pPr lvl="1"/>
+            <a:r>
+              <a:rPr kumimoji="1" lang="en-US" altLang="zh-CN" sz="1400" dirty="0" smtClean="0"/>
+              <a:t>HS: a </a:t>
+            </a:r>
+            <a:r>
+              <a:rPr kumimoji="1" lang="en-US" altLang="zh-CN" sz="1400" dirty="0"/>
+              <a:t>binary value {1|0} indicating if </a:t>
+            </a:r>
+            <a:r>
+              <a:rPr kumimoji="1" lang="en-US" altLang="zh-CN" sz="1400" b="1" dirty="0">
                 <a:solidFill>
-                  <a:srgbClr val="0070C0"/>
+                  <a:srgbClr val="FF0000"/>
                 </a:solidFill>
               </a:rPr>
-              <a:t>anonymity</a:t>
-            </a:r>
-            <a:r>
-              <a:rPr lang="en-US" altLang="zh-CN" dirty="0" smtClean="0">
+              <a:t>hate speech </a:t>
+            </a:r>
+            <a:r>
+              <a:rPr kumimoji="1" lang="en-US" altLang="zh-CN" sz="1400" dirty="0"/>
+              <a:t>is </a:t>
+            </a:r>
+            <a:r>
+              <a:rPr kumimoji="1" lang="en-US" altLang="zh-CN" sz="1400" b="1" dirty="0">
                 <a:solidFill>
-                  <a:schemeClr val="tx1"/>
+                  <a:srgbClr val="FF0000"/>
                 </a:solidFill>
               </a:rPr>
-              <a:t>(</a:t>
-            </a:r>
-            <a:r>
-              <a:rPr lang="zh-CN" altLang="en-US" dirty="0">
+              <a:t>occurring</a:t>
+            </a:r>
+            <a:r>
+              <a:rPr kumimoji="1" lang="en-US" altLang="zh-CN" sz="1400" dirty="0"/>
+              <a:t> against one of the given targets, women or </a:t>
+            </a:r>
+            <a:r>
+              <a:rPr kumimoji="1" lang="en-US" altLang="zh-CN" sz="1400" dirty="0" smtClean="0"/>
+              <a:t>immigrants</a:t>
+            </a:r>
+          </a:p>
+          <a:p>
+            <a:pPr lvl="1"/>
+            <a:r>
+              <a:rPr kumimoji="1" lang="en-US" altLang="zh-CN" sz="1400" dirty="0" smtClean="0"/>
+              <a:t>TR: if HS=1, a </a:t>
+            </a:r>
+            <a:r>
+              <a:rPr kumimoji="1" lang="en-US" altLang="zh-CN" sz="1400" dirty="0"/>
+              <a:t>binary value indicating if the </a:t>
+            </a:r>
+            <a:r>
+              <a:rPr kumimoji="1" lang="en-US" altLang="zh-CN" sz="1400" b="1" dirty="0">
                 <a:solidFill>
-                  <a:schemeClr val="tx1"/>
+                  <a:srgbClr val="FF0000"/>
                 </a:solidFill>
               </a:rPr>
-              <a:t>匿名</a:t>
-            </a:r>
-            <a:r>
-              <a:rPr lang="en-US" altLang="zh-CN" dirty="0" smtClean="0">
+              <a:t>target</a:t>
+            </a:r>
+            <a:r>
+              <a:rPr kumimoji="1" lang="en-US" altLang="zh-CN" sz="1400" dirty="0"/>
+              <a:t> is a generic group of </a:t>
+            </a:r>
+            <a:r>
+              <a:rPr kumimoji="1" lang="en-US" altLang="zh-CN" sz="1400" b="1" dirty="0">
                 <a:solidFill>
-                  <a:schemeClr val="tx1"/>
+                  <a:srgbClr val="FF0000"/>
                 </a:solidFill>
               </a:rPr>
-              <a:t>)</a:t>
-            </a:r>
-            <a:r>
-              <a:rPr lang="en-US" altLang="zh-CN" dirty="0" smtClean="0"/>
-              <a:t> </a:t>
-            </a:r>
-            <a:r>
-              <a:rPr lang="en-US" altLang="zh-CN" dirty="0"/>
-              <a:t>of computer-mediated communication, using this to engage in </a:t>
-            </a:r>
-            <a:r>
-              <a:rPr lang="en-US" altLang="zh-CN" dirty="0" err="1"/>
-              <a:t>behaviour</a:t>
-            </a:r>
-            <a:r>
-              <a:rPr lang="en-US" altLang="zh-CN" dirty="0"/>
-              <a:t> that many of them would not consider in real life. Online communities, social media platforms, and technology companies have been investing heavily in ways to </a:t>
-            </a:r>
-            <a:r>
-              <a:rPr lang="en-US" altLang="zh-CN" b="1" dirty="0">
+              <a:t>people</a:t>
+            </a:r>
+            <a:r>
+              <a:rPr kumimoji="1" lang="en-US" altLang="zh-CN" sz="1400" dirty="0"/>
+              <a:t> (0) or a specific </a:t>
+            </a:r>
+            <a:r>
+              <a:rPr kumimoji="1" lang="en-US" altLang="zh-CN" sz="1400" b="1" dirty="0">
                 <a:solidFill>
-                  <a:srgbClr val="0070C0"/>
+                  <a:srgbClr val="FF0000"/>
                 </a:solidFill>
               </a:rPr>
-              <a:t>cope with </a:t>
-            </a:r>
-            <a:r>
-              <a:rPr lang="en-US" altLang="zh-CN" b="1" dirty="0" smtClean="0">
+              <a:t>individual</a:t>
+            </a:r>
+            <a:r>
+              <a:rPr kumimoji="1" lang="en-US" altLang="zh-CN" sz="1400" dirty="0">
                 <a:solidFill>
-                  <a:srgbClr val="0070C0"/>
+                  <a:srgbClr val="FF0000"/>
                 </a:solidFill>
               </a:rPr>
-              <a:t>offensive(</a:t>
-            </a:r>
-            <a:r>
-              <a:rPr lang="zh-CN" altLang="en-US" b="1" dirty="0">
+              <a:t> </a:t>
+            </a:r>
+            <a:r>
+              <a:rPr kumimoji="1" lang="en-US" altLang="zh-CN" sz="1400" dirty="0"/>
+              <a:t>(1</a:t>
+            </a:r>
+            <a:r>
+              <a:rPr kumimoji="1" lang="en-US" altLang="zh-CN" sz="1400" dirty="0" smtClean="0"/>
+              <a:t>)</a:t>
+            </a:r>
+          </a:p>
+          <a:p>
+            <a:pPr lvl="1"/>
+            <a:r>
+              <a:rPr kumimoji="1" lang="en-US" altLang="zh-CN" sz="1400" dirty="0" smtClean="0"/>
+              <a:t>AG: If HS=1, a </a:t>
+            </a:r>
+            <a:r>
+              <a:rPr kumimoji="1" lang="en-US" altLang="zh-CN" sz="1400" dirty="0"/>
+              <a:t>binary value indicating if the tweeter is </a:t>
+            </a:r>
+            <a:r>
+              <a:rPr kumimoji="1" lang="en-US" altLang="zh-CN" sz="1400" b="1" dirty="0">
                 <a:solidFill>
-                  <a:srgbClr val="0070C0"/>
+                  <a:srgbClr val="FF0000"/>
                 </a:solidFill>
               </a:rPr>
-              <a:t>冒犯的</a:t>
-            </a:r>
-            <a:r>
-              <a:rPr lang="en-US" altLang="zh-CN" b="1" dirty="0" smtClean="0">
+              <a:t>aggressive</a:t>
+            </a:r>
+            <a:r>
+              <a:rPr kumimoji="1" lang="en-US" altLang="zh-CN" sz="1400" dirty="0"/>
+              <a:t> (1) or </a:t>
+            </a:r>
+            <a:r>
+              <a:rPr kumimoji="1" lang="en-US" altLang="zh-CN" sz="1400" b="1" dirty="0">
                 <a:solidFill>
-                  <a:srgbClr val="0070C0"/>
+                  <a:srgbClr val="FF0000"/>
                 </a:solidFill>
               </a:rPr>
-              <a:t>) </a:t>
-            </a:r>
-            <a:r>
-              <a:rPr lang="en-US" altLang="zh-CN" b="1" dirty="0">
-                <a:solidFill>
-                  <a:srgbClr val="0070C0"/>
-                </a:solidFill>
-              </a:rPr>
-              <a:t>language to prevent </a:t>
-            </a:r>
-            <a:r>
-              <a:rPr lang="en-US" altLang="zh-CN" b="1" dirty="0" smtClean="0">
-                <a:solidFill>
-                  <a:srgbClr val="0070C0"/>
-                </a:solidFill>
-              </a:rPr>
-              <a:t>abusive </a:t>
-            </a:r>
-            <a:r>
-              <a:rPr lang="en-US" altLang="zh-CN" b="1" dirty="0" err="1">
-                <a:solidFill>
-                  <a:srgbClr val="0070C0"/>
-                </a:solidFill>
-              </a:rPr>
-              <a:t>behaviour</a:t>
-            </a:r>
-            <a:r>
-              <a:rPr lang="en-US" altLang="zh-CN" dirty="0"/>
-              <a:t> in social media.</a:t>
-            </a:r>
-          </a:p>
-          <a:p>
-            <a:pPr lvl="1"/>
-            <a:r>
-              <a:rPr lang="en-US" altLang="zh-CN" dirty="0" smtClean="0"/>
-              <a:t>In </a:t>
-            </a:r>
-            <a:r>
-              <a:rPr lang="en-US" altLang="zh-CN" dirty="0" err="1"/>
-              <a:t>OffensEval</a:t>
-            </a:r>
-            <a:r>
-              <a:rPr lang="en-US" altLang="zh-CN" dirty="0"/>
-              <a:t> we break down offensive content into three sub-tasks taking the </a:t>
-            </a:r>
-            <a:r>
-              <a:rPr lang="en-US" altLang="zh-CN" b="1" dirty="0"/>
-              <a:t>type</a:t>
-            </a:r>
-            <a:r>
-              <a:rPr lang="en-US" altLang="zh-CN" dirty="0"/>
-              <a:t> and </a:t>
-            </a:r>
-            <a:r>
-              <a:rPr lang="en-US" altLang="zh-CN" b="1" dirty="0"/>
-              <a:t>target</a:t>
-            </a:r>
-            <a:r>
-              <a:rPr lang="en-US" altLang="zh-CN" dirty="0"/>
-              <a:t> of offenses into </a:t>
-            </a:r>
-            <a:r>
-              <a:rPr lang="en-US" altLang="zh-CN" dirty="0" smtClean="0"/>
-              <a:t>account.</a:t>
-            </a:r>
-          </a:p>
-          <a:p>
-            <a:pPr lvl="1"/>
-            <a:endParaRPr kumimoji="1" lang="en-US" altLang="zh-CN" dirty="0" smtClean="0"/>
-          </a:p>
-          <a:p>
-            <a:r>
-              <a:rPr kumimoji="1" lang="en-US" altLang="zh-CN" dirty="0" smtClean="0">
-                <a:hlinkClick r:id="rId2"/>
-              </a:rPr>
-              <a:t>https</a:t>
-            </a:r>
-            <a:r>
-              <a:rPr kumimoji="1" lang="en-US" altLang="zh-CN" dirty="0">
-                <a:hlinkClick r:id="rId2"/>
-              </a:rPr>
-              <a:t>://</a:t>
-            </a:r>
-            <a:r>
-              <a:rPr kumimoji="1" lang="en-US" altLang="zh-CN" dirty="0" smtClean="0">
-                <a:hlinkClick r:id="rId2"/>
-              </a:rPr>
-              <a:t>competitions.codalab.org/competitions/20011</a:t>
-            </a:r>
-            <a:endParaRPr kumimoji="1" lang="zh-CN" altLang="en-US" dirty="0"/>
-          </a:p>
-          <a:p>
-            <a:endParaRPr lang="en-US" altLang="zh-CN" dirty="0"/>
+              <a:t>not</a:t>
+            </a:r>
+            <a:r>
+              <a:rPr kumimoji="1" lang="en-US" altLang="zh-CN" sz="1400" dirty="0"/>
+              <a:t> (0</a:t>
+            </a:r>
+            <a:r>
+              <a:rPr kumimoji="1" lang="en-US" altLang="zh-CN" sz="1400" dirty="0" smtClean="0"/>
+              <a:t>)</a:t>
+            </a:r>
+            <a:endParaRPr kumimoji="1" lang="zh-CN" altLang="en-US" sz="1400" dirty="0"/>
           </a:p>
         </p:txBody>
       </p:sp>
+      <p:graphicFrame>
+        <p:nvGraphicFramePr>
+          <p:cNvPr id="8" name="表格 7"/>
+          <p:cNvGraphicFramePr>
+            <a:graphicFrameLocks noGrp="1"/>
+          </p:cNvGraphicFramePr>
+          <p:nvPr>
+            <p:extLst>
+              <p:ext uri="{D42A27DB-BD31-4B8C-83A1-F6EECF244321}">
+                <p14:modId xmlns:p14="http://schemas.microsoft.com/office/powerpoint/2010/main" val="1490979802"/>
+              </p:ext>
+            </p:extLst>
+          </p:nvPr>
+        </p:nvGraphicFramePr>
+        <p:xfrm>
+          <a:off x="907712" y="3957148"/>
+          <a:ext cx="10437535" cy="2020320"/>
+        </p:xfrm>
+        <a:graphic>
+          <a:graphicData uri="http://schemas.openxmlformats.org/drawingml/2006/table">
+            <a:tbl>
+              <a:tblPr firstRow="1" bandRow="1">
+                <a:tableStyleId>{5C22544A-7EE6-4342-B048-85BDC9FD1C3A}</a:tableStyleId>
+              </a:tblPr>
+              <a:tblGrid>
+                <a:gridCol w="464162"/>
+                <a:gridCol w="8758685"/>
+                <a:gridCol w="405425"/>
+                <a:gridCol w="387963"/>
+                <a:gridCol w="421300"/>
+              </a:tblGrid>
+              <a:tr h="0">
+                <a:tc>
+                  <a:txBody>
+                    <a:bodyPr/>
+                    <a:lstStyle/>
+                    <a:p>
+                      <a:pPr algn="l" fontAlgn="b"/>
+                      <a:r>
+                        <a:rPr lang="en-US" sz="1200" b="0" i="0" u="none" strike="noStrike" dirty="0">
+                          <a:solidFill>
+                            <a:srgbClr val="000000"/>
+                          </a:solidFill>
+                          <a:effectLst/>
+                          <a:latin typeface="DengXian" charset="-122"/>
+                        </a:rPr>
+                        <a:t>id</a:t>
+                      </a:r>
+                    </a:p>
+                  </a:txBody>
+                  <a:tcPr marL="90000" marR="90000" marT="46800" marB="46800" anchor="b"/>
+                </a:tc>
+                <a:tc>
+                  <a:txBody>
+                    <a:bodyPr/>
+                    <a:lstStyle/>
+                    <a:p>
+                      <a:pPr algn="l" fontAlgn="b"/>
+                      <a:r>
+                        <a:rPr lang="en-US" sz="1200" b="0" i="0" u="none" strike="noStrike" dirty="0">
+                          <a:solidFill>
+                            <a:srgbClr val="000000"/>
+                          </a:solidFill>
+                          <a:effectLst/>
+                          <a:latin typeface="DengXian" charset="-122"/>
+                        </a:rPr>
+                        <a:t>text</a:t>
+                      </a:r>
+                    </a:p>
+                  </a:txBody>
+                  <a:tcPr marL="90000" marR="90000" marT="46800" marB="46800" anchor="b"/>
+                </a:tc>
+                <a:tc>
+                  <a:txBody>
+                    <a:bodyPr/>
+                    <a:lstStyle/>
+                    <a:p>
+                      <a:pPr algn="l" fontAlgn="b"/>
+                      <a:r>
+                        <a:rPr lang="en-US" sz="1200" b="0" i="0" u="none" strike="noStrike">
+                          <a:solidFill>
+                            <a:srgbClr val="000000"/>
+                          </a:solidFill>
+                          <a:effectLst/>
+                          <a:latin typeface="DengXian" charset="-122"/>
+                        </a:rPr>
+                        <a:t>HS</a:t>
+                      </a:r>
+                    </a:p>
+                  </a:txBody>
+                  <a:tcPr marL="90000" marR="90000" marT="46800" marB="46800" anchor="b"/>
+                </a:tc>
+                <a:tc>
+                  <a:txBody>
+                    <a:bodyPr/>
+                    <a:lstStyle/>
+                    <a:p>
+                      <a:pPr algn="l" fontAlgn="b"/>
+                      <a:r>
+                        <a:rPr lang="en-US" sz="1200" b="0" i="0" u="none" strike="noStrike" dirty="0">
+                          <a:solidFill>
+                            <a:srgbClr val="000000"/>
+                          </a:solidFill>
+                          <a:effectLst/>
+                          <a:latin typeface="DengXian" charset="-122"/>
+                        </a:rPr>
+                        <a:t>TR</a:t>
+                      </a:r>
+                    </a:p>
+                  </a:txBody>
+                  <a:tcPr marL="90000" marR="90000" marT="46800" marB="46800" anchor="b"/>
+                </a:tc>
+                <a:tc>
+                  <a:txBody>
+                    <a:bodyPr/>
+                    <a:lstStyle/>
+                    <a:p>
+                      <a:pPr algn="l" fontAlgn="b"/>
+                      <a:r>
+                        <a:rPr lang="en-US" sz="1200" b="0" i="0" u="none" strike="noStrike">
+                          <a:solidFill>
+                            <a:srgbClr val="000000"/>
+                          </a:solidFill>
+                          <a:effectLst/>
+                          <a:latin typeface="DengXian" charset="-122"/>
+                        </a:rPr>
+                        <a:t>AG</a:t>
+                      </a:r>
+                    </a:p>
+                  </a:txBody>
+                  <a:tcPr marL="90000" marR="90000" marT="46800" marB="46800" anchor="b"/>
+                </a:tc>
+              </a:tr>
+              <a:tr h="0">
+                <a:tc>
+                  <a:txBody>
+                    <a:bodyPr/>
+                    <a:lstStyle/>
+                    <a:p>
+                      <a:pPr algn="l" fontAlgn="b"/>
+                      <a:r>
+                        <a:rPr lang="is-IS" sz="1200" b="0" i="0" u="none" strike="noStrike">
+                          <a:solidFill>
+                            <a:srgbClr val="000000"/>
+                          </a:solidFill>
+                          <a:effectLst/>
+                          <a:latin typeface="DengXian" charset="-122"/>
+                        </a:rPr>
+                        <a:t>201</a:t>
+                      </a:r>
+                    </a:p>
+                  </a:txBody>
+                  <a:tcPr marL="90000" marR="90000" marT="46800" marB="46800" anchor="b"/>
+                </a:tc>
+                <a:tc>
+                  <a:txBody>
+                    <a:bodyPr/>
+                    <a:lstStyle/>
+                    <a:p>
+                      <a:pPr algn="l" fontAlgn="b"/>
+                      <a:r>
+                        <a:rPr lang="en-US" sz="1200" b="0" i="0" u="none" strike="noStrike" dirty="0">
+                          <a:solidFill>
+                            <a:srgbClr val="000000"/>
+                          </a:solidFill>
+                          <a:effectLst/>
+                          <a:latin typeface="DengXian" charset="-122"/>
+                        </a:rPr>
+                        <a:t>Hurray, saving us $$$ in so many ways @</a:t>
+                      </a:r>
+                      <a:r>
+                        <a:rPr lang="en-US" sz="1200" b="0" i="0" u="none" strike="noStrike" dirty="0" err="1">
+                          <a:solidFill>
+                            <a:srgbClr val="000000"/>
+                          </a:solidFill>
+                          <a:effectLst/>
+                          <a:latin typeface="DengXian" charset="-122"/>
+                        </a:rPr>
+                        <a:t>potus</a:t>
+                      </a:r>
+                      <a:r>
+                        <a:rPr lang="en-US" sz="1200" b="0" i="0" u="none" strike="noStrike" dirty="0">
+                          <a:solidFill>
+                            <a:srgbClr val="000000"/>
+                          </a:solidFill>
+                          <a:effectLst/>
+                          <a:latin typeface="DengXian" charset="-122"/>
+                        </a:rPr>
+                        <a:t> @</a:t>
+                      </a:r>
+                      <a:r>
+                        <a:rPr lang="en-US" sz="1200" b="0" i="0" u="none" strike="noStrike" dirty="0" err="1">
+                          <a:solidFill>
+                            <a:srgbClr val="000000"/>
+                          </a:solidFill>
+                          <a:effectLst/>
+                          <a:latin typeface="DengXian" charset="-122"/>
+                        </a:rPr>
+                        <a:t>realDonaldTrump</a:t>
+                      </a:r>
+                      <a:r>
+                        <a:rPr lang="en-US" sz="1200" b="0" i="0" u="none" strike="noStrike" dirty="0">
+                          <a:solidFill>
+                            <a:srgbClr val="000000"/>
+                          </a:solidFill>
+                          <a:effectLst/>
+                          <a:latin typeface="DengXian" charset="-122"/>
+                        </a:rPr>
+                        <a:t> #</a:t>
+                      </a:r>
+                      <a:r>
+                        <a:rPr lang="en-US" sz="1200" b="0" i="0" u="none" strike="noStrike" dirty="0" err="1">
+                          <a:solidFill>
+                            <a:srgbClr val="000000"/>
+                          </a:solidFill>
+                          <a:effectLst/>
+                          <a:latin typeface="DengXian" charset="-122"/>
+                        </a:rPr>
+                        <a:t>LockThemUp</a:t>
+                      </a:r>
+                      <a:r>
+                        <a:rPr lang="en-US" sz="1200" b="0" i="0" u="none" strike="noStrike" dirty="0">
+                          <a:solidFill>
+                            <a:srgbClr val="000000"/>
+                          </a:solidFill>
+                          <a:effectLst/>
+                          <a:latin typeface="DengXian" charset="-122"/>
+                        </a:rPr>
+                        <a:t> #</a:t>
+                      </a:r>
+                      <a:r>
+                        <a:rPr lang="en-US" sz="1200" b="0" i="0" u="none" strike="noStrike" dirty="0" err="1">
+                          <a:solidFill>
+                            <a:srgbClr val="000000"/>
+                          </a:solidFill>
+                          <a:effectLst/>
+                          <a:latin typeface="DengXian" charset="-122"/>
+                        </a:rPr>
+                        <a:t>BuildTheWall</a:t>
+                      </a:r>
+                      <a:r>
+                        <a:rPr lang="en-US" sz="1200" b="0" i="0" u="none" strike="noStrike" dirty="0">
+                          <a:solidFill>
+                            <a:srgbClr val="000000"/>
+                          </a:solidFill>
+                          <a:effectLst/>
+                          <a:latin typeface="DengXian" charset="-122"/>
+                        </a:rPr>
+                        <a:t> #</a:t>
+                      </a:r>
+                      <a:r>
+                        <a:rPr lang="en-US" sz="1200" b="0" i="0" u="none" strike="noStrike" dirty="0" err="1">
+                          <a:solidFill>
+                            <a:srgbClr val="000000"/>
+                          </a:solidFill>
+                          <a:effectLst/>
+                          <a:latin typeface="DengXian" charset="-122"/>
+                        </a:rPr>
+                        <a:t>EndDACA</a:t>
+                      </a:r>
+                      <a:r>
+                        <a:rPr lang="en-US" sz="1200" b="0" i="0" u="none" strike="noStrike" dirty="0">
+                          <a:solidFill>
+                            <a:srgbClr val="000000"/>
+                          </a:solidFill>
+                          <a:effectLst/>
+                          <a:latin typeface="DengXian" charset="-122"/>
+                        </a:rPr>
+                        <a:t> #</a:t>
+                      </a:r>
+                      <a:r>
+                        <a:rPr lang="en-US" sz="1200" b="0" i="0" u="none" strike="noStrike" dirty="0" err="1">
+                          <a:solidFill>
+                            <a:srgbClr val="000000"/>
+                          </a:solidFill>
+                          <a:effectLst/>
+                          <a:latin typeface="DengXian" charset="-122"/>
+                        </a:rPr>
+                        <a:t>BoycottNFL</a:t>
+                      </a:r>
+                      <a:r>
+                        <a:rPr lang="en-US" sz="1200" b="0" i="0" u="none" strike="noStrike" dirty="0">
+                          <a:solidFill>
+                            <a:srgbClr val="000000"/>
+                          </a:solidFill>
+                          <a:effectLst/>
+                          <a:latin typeface="DengXian" charset="-122"/>
+                        </a:rPr>
+                        <a:t> #</a:t>
+                      </a:r>
+                      <a:r>
+                        <a:rPr lang="en-US" sz="1200" b="0" i="0" u="none" strike="noStrike" dirty="0" err="1">
+                          <a:solidFill>
+                            <a:srgbClr val="000000"/>
+                          </a:solidFill>
+                          <a:effectLst/>
+                          <a:latin typeface="DengXian" charset="-122"/>
+                        </a:rPr>
+                        <a:t>BoycottNike</a:t>
+                      </a:r>
+                      <a:endParaRPr lang="en-US" sz="1200" b="0" i="0" u="none" strike="noStrike" dirty="0">
+                        <a:solidFill>
+                          <a:srgbClr val="000000"/>
+                        </a:solidFill>
+                        <a:effectLst/>
+                        <a:latin typeface="DengXian" charset="-122"/>
+                      </a:endParaRPr>
+                    </a:p>
+                  </a:txBody>
+                  <a:tcPr marL="90000" marR="90000" marT="46800" marB="46800" anchor="b"/>
+                </a:tc>
+                <a:tc>
+                  <a:txBody>
+                    <a:bodyPr/>
+                    <a:lstStyle/>
+                    <a:p>
+                      <a:pPr algn="l" fontAlgn="b"/>
+                      <a:r>
+                        <a:rPr lang="en-US" altLang="zh-CN" sz="1200" b="0" i="0" u="none" strike="noStrike">
+                          <a:solidFill>
+                            <a:srgbClr val="000000"/>
+                          </a:solidFill>
+                          <a:effectLst/>
+                          <a:latin typeface="DengXian" charset="-122"/>
+                        </a:rPr>
+                        <a:t>1</a:t>
+                      </a:r>
+                    </a:p>
+                  </a:txBody>
+                  <a:tcPr marL="90000" marR="90000" marT="46800" marB="46800" anchor="b"/>
+                </a:tc>
+                <a:tc>
+                  <a:txBody>
+                    <a:bodyPr/>
+                    <a:lstStyle/>
+                    <a:p>
+                      <a:pPr algn="l" fontAlgn="b"/>
+                      <a:r>
+                        <a:rPr lang="en-US" altLang="zh-CN" sz="1200" b="0" i="0" u="none" strike="noStrike">
+                          <a:solidFill>
+                            <a:srgbClr val="000000"/>
+                          </a:solidFill>
+                          <a:effectLst/>
+                          <a:latin typeface="DengXian" charset="-122"/>
+                        </a:rPr>
+                        <a:t>0</a:t>
+                      </a:r>
+                    </a:p>
+                  </a:txBody>
+                  <a:tcPr marL="90000" marR="90000" marT="46800" marB="46800" anchor="b"/>
+                </a:tc>
+                <a:tc>
+                  <a:txBody>
+                    <a:bodyPr/>
+                    <a:lstStyle/>
+                    <a:p>
+                      <a:pPr algn="l" fontAlgn="b"/>
+                      <a:r>
+                        <a:rPr lang="en-US" altLang="zh-CN" sz="1200" b="0" i="0" u="none" strike="noStrike" dirty="0">
+                          <a:solidFill>
+                            <a:srgbClr val="000000"/>
+                          </a:solidFill>
+                          <a:effectLst/>
+                          <a:latin typeface="DengXian" charset="-122"/>
+                        </a:rPr>
+                        <a:t>0</a:t>
+                      </a:r>
+                    </a:p>
+                  </a:txBody>
+                  <a:tcPr marL="90000" marR="90000" marT="46800" marB="46800" anchor="b"/>
+                </a:tc>
+              </a:tr>
+              <a:tr h="0">
+                <a:tc>
+                  <a:txBody>
+                    <a:bodyPr/>
+                    <a:lstStyle/>
+                    <a:p>
+                      <a:pPr algn="l" fontAlgn="b"/>
+                      <a:r>
+                        <a:rPr lang="is-IS" sz="1200" b="0" i="0" u="none" strike="noStrike">
+                          <a:solidFill>
+                            <a:srgbClr val="000000"/>
+                          </a:solidFill>
+                          <a:effectLst/>
+                          <a:latin typeface="DengXian" charset="-122"/>
+                        </a:rPr>
+                        <a:t>202</a:t>
+                      </a:r>
+                    </a:p>
+                  </a:txBody>
+                  <a:tcPr marL="90000" marR="90000" marT="46800" marB="46800" anchor="b"/>
+                </a:tc>
+                <a:tc>
+                  <a:txBody>
+                    <a:bodyPr/>
+                    <a:lstStyle/>
+                    <a:p>
+                      <a:pPr algn="l" fontAlgn="b"/>
+                      <a:r>
+                        <a:rPr lang="en-US" sz="1200" b="0" i="0" u="none" strike="noStrike" dirty="0">
+                          <a:solidFill>
+                            <a:srgbClr val="000000"/>
+                          </a:solidFill>
+                          <a:effectLst/>
+                          <a:latin typeface="DengXian" charset="-122"/>
+                        </a:rPr>
+                        <a:t>Why would young fighting age men be the vast majority of the ones escaping a war &amp;amp; not those who cannot fight like women, children, and the </a:t>
+                      </a:r>
+                      <a:r>
+                        <a:rPr lang="en-US" sz="1200" b="0" i="0" u="none" strike="noStrike" dirty="0" err="1">
+                          <a:solidFill>
+                            <a:srgbClr val="000000"/>
+                          </a:solidFill>
+                          <a:effectLst/>
+                          <a:latin typeface="DengXian" charset="-122"/>
+                        </a:rPr>
+                        <a:t>elderly?It's</a:t>
+                      </a:r>
+                      <a:r>
+                        <a:rPr lang="en-US" sz="1200" b="0" i="0" u="none" strike="noStrike" dirty="0">
+                          <a:solidFill>
+                            <a:srgbClr val="000000"/>
+                          </a:solidFill>
+                          <a:effectLst/>
+                          <a:latin typeface="DengXian" charset="-122"/>
+                        </a:rPr>
+                        <a:t> because the majority of the refugees are not actually refugees they are economic migrants trying to get into Europe.... https://</a:t>
+                      </a:r>
+                      <a:r>
+                        <a:rPr lang="en-US" sz="1200" b="0" i="0" u="none" strike="noStrike" dirty="0" err="1">
+                          <a:solidFill>
+                            <a:srgbClr val="000000"/>
+                          </a:solidFill>
+                          <a:effectLst/>
+                          <a:latin typeface="DengXian" charset="-122"/>
+                        </a:rPr>
+                        <a:t>t.co</a:t>
+                      </a:r>
+                      <a:r>
+                        <a:rPr lang="en-US" sz="1200" b="0" i="0" u="none" strike="noStrike" dirty="0">
+                          <a:solidFill>
+                            <a:srgbClr val="000000"/>
+                          </a:solidFill>
+                          <a:effectLst/>
+                          <a:latin typeface="DengXian" charset="-122"/>
+                        </a:rPr>
+                        <a:t>/Ks0SHbtYqn</a:t>
+                      </a:r>
+                    </a:p>
+                  </a:txBody>
+                  <a:tcPr marL="90000" marR="90000" marT="46800" marB="46800" anchor="b"/>
+                </a:tc>
+                <a:tc>
+                  <a:txBody>
+                    <a:bodyPr/>
+                    <a:lstStyle/>
+                    <a:p>
+                      <a:pPr algn="l" fontAlgn="b"/>
+                      <a:r>
+                        <a:rPr lang="en-US" altLang="zh-CN" sz="1200" b="0" i="0" u="none" strike="noStrike">
+                          <a:solidFill>
+                            <a:srgbClr val="000000"/>
+                          </a:solidFill>
+                          <a:effectLst/>
+                          <a:latin typeface="DengXian" charset="-122"/>
+                        </a:rPr>
+                        <a:t>1</a:t>
+                      </a:r>
+                    </a:p>
+                  </a:txBody>
+                  <a:tcPr marL="90000" marR="90000" marT="46800" marB="46800" anchor="b"/>
+                </a:tc>
+                <a:tc>
+                  <a:txBody>
+                    <a:bodyPr/>
+                    <a:lstStyle/>
+                    <a:p>
+                      <a:pPr algn="l" fontAlgn="b"/>
+                      <a:r>
+                        <a:rPr lang="en-US" altLang="zh-CN" sz="1200" b="0" i="0" u="none" strike="noStrike">
+                          <a:solidFill>
+                            <a:srgbClr val="000000"/>
+                          </a:solidFill>
+                          <a:effectLst/>
+                          <a:latin typeface="DengXian" charset="-122"/>
+                        </a:rPr>
+                        <a:t>0</a:t>
+                      </a:r>
+                    </a:p>
+                  </a:txBody>
+                  <a:tcPr marL="90000" marR="90000" marT="46800" marB="46800" anchor="b"/>
+                </a:tc>
+                <a:tc>
+                  <a:txBody>
+                    <a:bodyPr/>
+                    <a:lstStyle/>
+                    <a:p>
+                      <a:pPr algn="l" fontAlgn="b"/>
+                      <a:r>
+                        <a:rPr lang="en-US" altLang="zh-CN" sz="1200" b="0" i="0" u="none" strike="noStrike">
+                          <a:solidFill>
+                            <a:srgbClr val="000000"/>
+                          </a:solidFill>
+                          <a:effectLst/>
+                          <a:latin typeface="DengXian" charset="-122"/>
+                        </a:rPr>
+                        <a:t>0</a:t>
+                      </a:r>
+                    </a:p>
+                  </a:txBody>
+                  <a:tcPr marL="90000" marR="90000" marT="46800" marB="46800" anchor="b"/>
+                </a:tc>
+              </a:tr>
+              <a:tr h="0">
+                <a:tc>
+                  <a:txBody>
+                    <a:bodyPr/>
+                    <a:lstStyle/>
+                    <a:p>
+                      <a:pPr algn="l" fontAlgn="b"/>
+                      <a:r>
+                        <a:rPr lang="is-IS" sz="1200" b="0" i="0" u="none" strike="noStrike">
+                          <a:solidFill>
+                            <a:srgbClr val="000000"/>
+                          </a:solidFill>
+                          <a:effectLst/>
+                          <a:latin typeface="DengXian" charset="-122"/>
+                        </a:rPr>
+                        <a:t>203</a:t>
+                      </a:r>
+                    </a:p>
+                  </a:txBody>
+                  <a:tcPr marL="90000" marR="90000" marT="46800" marB="46800" anchor="b"/>
+                </a:tc>
+                <a:tc>
+                  <a:txBody>
+                    <a:bodyPr/>
+                    <a:lstStyle/>
+                    <a:p>
+                      <a:pPr algn="l" fontAlgn="b"/>
+                      <a:r>
+                        <a:rPr lang="en-US" sz="1200" b="0" i="0" u="none" strike="noStrike" dirty="0">
+                          <a:solidFill>
+                            <a:srgbClr val="000000"/>
+                          </a:solidFill>
+                          <a:effectLst/>
+                          <a:latin typeface="DengXian" charset="-122"/>
+                        </a:rPr>
+                        <a:t>@</a:t>
+                      </a:r>
+                      <a:r>
+                        <a:rPr lang="en-US" sz="1200" b="0" i="0" u="none" strike="noStrike" dirty="0" err="1">
+                          <a:solidFill>
+                            <a:srgbClr val="000000"/>
+                          </a:solidFill>
+                          <a:effectLst/>
+                          <a:latin typeface="DengXian" charset="-122"/>
+                        </a:rPr>
+                        <a:t>KamalaHarris</a:t>
+                      </a:r>
+                      <a:r>
+                        <a:rPr lang="en-US" sz="1200" b="0" i="0" u="none" strike="noStrike" dirty="0">
+                          <a:solidFill>
+                            <a:srgbClr val="000000"/>
+                          </a:solidFill>
+                          <a:effectLst/>
+                          <a:latin typeface="DengXian" charset="-122"/>
+                        </a:rPr>
+                        <a:t> Illegals Dump their Kids at the border like Road Kill and Refuse to Unite! They Hope they get Amnesty, Free Education and Welfare Illegal #</a:t>
+                      </a:r>
+                      <a:r>
+                        <a:rPr lang="en-US" sz="1200" b="0" i="0" u="none" strike="noStrike" dirty="0" err="1">
+                          <a:solidFill>
+                            <a:srgbClr val="000000"/>
+                          </a:solidFill>
+                          <a:effectLst/>
+                          <a:latin typeface="DengXian" charset="-122"/>
+                        </a:rPr>
+                        <a:t>FamilesBelongTogether</a:t>
+                      </a:r>
+                      <a:r>
+                        <a:rPr lang="en-US" sz="1200" b="0" i="0" u="none" strike="noStrike" dirty="0">
+                          <a:solidFill>
+                            <a:srgbClr val="000000"/>
+                          </a:solidFill>
+                          <a:effectLst/>
+                          <a:latin typeface="DengXian" charset="-122"/>
+                        </a:rPr>
+                        <a:t> in their Country not on the Taxpayer Dime Its a SCAM #</a:t>
+                      </a:r>
+                      <a:r>
+                        <a:rPr lang="en-US" sz="1200" b="0" i="0" u="none" strike="noStrike" dirty="0" err="1">
+                          <a:solidFill>
+                            <a:srgbClr val="000000"/>
+                          </a:solidFill>
+                          <a:effectLst/>
+                          <a:latin typeface="DengXian" charset="-122"/>
+                        </a:rPr>
+                        <a:t>NoDACA</a:t>
+                      </a:r>
+                      <a:r>
+                        <a:rPr lang="en-US" sz="1200" b="0" i="0" u="none" strike="noStrike" dirty="0">
+                          <a:solidFill>
+                            <a:srgbClr val="000000"/>
+                          </a:solidFill>
+                          <a:effectLst/>
+                          <a:latin typeface="DengXian" charset="-122"/>
+                        </a:rPr>
+                        <a:t> #</a:t>
+                      </a:r>
+                      <a:r>
+                        <a:rPr lang="en-US" sz="1200" b="0" i="0" u="none" strike="noStrike" dirty="0" err="1">
+                          <a:solidFill>
+                            <a:srgbClr val="000000"/>
+                          </a:solidFill>
+                          <a:effectLst/>
+                          <a:latin typeface="DengXian" charset="-122"/>
+                        </a:rPr>
+                        <a:t>NoAmnesty</a:t>
+                      </a:r>
+                      <a:r>
+                        <a:rPr lang="en-US" sz="1200" b="0" i="0" u="none" strike="noStrike" dirty="0">
+                          <a:solidFill>
+                            <a:srgbClr val="000000"/>
+                          </a:solidFill>
+                          <a:effectLst/>
+                          <a:latin typeface="DengXian" charset="-122"/>
+                        </a:rPr>
+                        <a:t> #</a:t>
+                      </a:r>
+                      <a:r>
+                        <a:rPr lang="en-US" sz="1200" b="0" i="0" u="none" strike="noStrike" dirty="0" err="1">
+                          <a:solidFill>
+                            <a:srgbClr val="000000"/>
+                          </a:solidFill>
+                          <a:effectLst/>
+                          <a:latin typeface="DengXian" charset="-122"/>
+                        </a:rPr>
+                        <a:t>SendThe</a:t>
+                      </a:r>
+                      <a:endParaRPr lang="en-US" sz="1200" b="0" i="0" u="none" strike="noStrike" dirty="0">
+                        <a:solidFill>
+                          <a:srgbClr val="000000"/>
+                        </a:solidFill>
+                        <a:effectLst/>
+                        <a:latin typeface="DengXian" charset="-122"/>
+                      </a:endParaRPr>
+                    </a:p>
+                  </a:txBody>
+                  <a:tcPr marL="90000" marR="90000" marT="46800" marB="46800" anchor="b"/>
+                </a:tc>
+                <a:tc>
+                  <a:txBody>
+                    <a:bodyPr/>
+                    <a:lstStyle/>
+                    <a:p>
+                      <a:pPr algn="l" fontAlgn="b"/>
+                      <a:r>
+                        <a:rPr lang="en-US" altLang="zh-CN" sz="1200" b="0" i="0" u="none" strike="noStrike" dirty="0">
+                          <a:solidFill>
+                            <a:srgbClr val="000000"/>
+                          </a:solidFill>
+                          <a:effectLst/>
+                          <a:latin typeface="DengXian" charset="-122"/>
+                        </a:rPr>
+                        <a:t>1</a:t>
+                      </a:r>
+                    </a:p>
+                  </a:txBody>
+                  <a:tcPr marL="90000" marR="90000" marT="46800" marB="46800" anchor="b"/>
+                </a:tc>
+                <a:tc>
+                  <a:txBody>
+                    <a:bodyPr/>
+                    <a:lstStyle/>
+                    <a:p>
+                      <a:pPr algn="l" fontAlgn="b"/>
+                      <a:r>
+                        <a:rPr lang="en-US" altLang="zh-CN" sz="1200" b="0" i="0" u="none" strike="noStrike">
+                          <a:solidFill>
+                            <a:srgbClr val="000000"/>
+                          </a:solidFill>
+                          <a:effectLst/>
+                          <a:latin typeface="DengXian" charset="-122"/>
+                        </a:rPr>
+                        <a:t>0</a:t>
+                      </a:r>
+                    </a:p>
+                  </a:txBody>
+                  <a:tcPr marL="90000" marR="90000" marT="46800" marB="46800" anchor="b"/>
+                </a:tc>
+                <a:tc>
+                  <a:txBody>
+                    <a:bodyPr/>
+                    <a:lstStyle/>
+                    <a:p>
+                      <a:pPr algn="l" fontAlgn="b"/>
+                      <a:r>
+                        <a:rPr lang="en-US" altLang="zh-CN" sz="1200" b="0" i="0" u="none" strike="noStrike" dirty="0">
+                          <a:solidFill>
+                            <a:srgbClr val="000000"/>
+                          </a:solidFill>
+                          <a:effectLst/>
+                          <a:latin typeface="DengXian" charset="-122"/>
+                        </a:rPr>
+                        <a:t>0</a:t>
+                      </a:r>
+                    </a:p>
+                  </a:txBody>
+                  <a:tcPr marL="90000" marR="90000" marT="46800" marB="46800" anchor="b"/>
+                </a:tc>
+              </a:tr>
+            </a:tbl>
+          </a:graphicData>
+        </a:graphic>
+      </p:graphicFrame>
     </p:spTree>
     <p:extLst>
       <p:ext uri="{BB962C8B-B14F-4D97-AF65-F5344CB8AC3E}">
-        <p14:creationId xmlns:p14="http://schemas.microsoft.com/office/powerpoint/2010/main" val="2122787002"/>
+        <p14:creationId xmlns:p14="http://schemas.microsoft.com/office/powerpoint/2010/main" val="1227932948"/>
       </p:ext>
     </p:extLst>
   </p:cSld>
   <p:clrMapOvr>
     <a:masterClrMapping/>
   </p:clrMapOvr>
+  <p:timing>
+    <p:tnLst>
+      <p:par>
+        <p:cTn id="1" dur="indefinite" restart="never" nodeType="tmRoot"/>
+      </p:par>
+    </p:tnLst>
+  </p:timing>
 </p:sld>
 </file>
 
@@ -4775,6 +5538,284 @@
               <a:rPr kumimoji="1" lang="en-US" altLang="zh-CN" sz="4000" dirty="0"/>
               <a:t>: Identifying and Categorizing Offensive Language in Social Media</a:t>
             </a:r>
+          </a:p>
+        </p:txBody>
+      </p:sp>
+      <p:sp>
+        <p:nvSpPr>
+          <p:cNvPr id="3" name="内容占位符 2"/>
+          <p:cNvSpPr>
+            <a:spLocks noGrp="1"/>
+          </p:cNvSpPr>
+          <p:nvPr>
+            <p:ph idx="1"/>
+          </p:nvPr>
+        </p:nvSpPr>
+        <p:spPr/>
+        <p:txBody>
+          <a:bodyPr>
+            <a:normAutofit/>
+          </a:bodyPr>
+          <a:lstStyle/>
+          <a:p>
+            <a:endParaRPr kumimoji="1" lang="en-US" altLang="zh-CN" dirty="0" smtClean="0"/>
+          </a:p>
+          <a:p>
+            <a:r>
+              <a:rPr kumimoji="1" lang="en-US" altLang="zh-CN" dirty="0" smtClean="0"/>
+              <a:t>Motivation</a:t>
+            </a:r>
+          </a:p>
+          <a:p>
+            <a:pPr lvl="1"/>
+            <a:r>
+              <a:rPr lang="en-US" altLang="zh-CN" dirty="0" smtClean="0"/>
+              <a:t>Offensive </a:t>
+            </a:r>
+            <a:r>
+              <a:rPr lang="en-US" altLang="zh-CN" dirty="0"/>
+              <a:t>language is pervasive in social media. Individuals frequently take advantage of the perceived </a:t>
+            </a:r>
+            <a:r>
+              <a:rPr lang="en-US" altLang="zh-CN" b="1" dirty="0" smtClean="0">
+                <a:solidFill>
+                  <a:srgbClr val="0070C0"/>
+                </a:solidFill>
+              </a:rPr>
+              <a:t>anonymity</a:t>
+            </a:r>
+            <a:r>
+              <a:rPr lang="en-US" altLang="zh-CN" dirty="0" smtClean="0">
+                <a:solidFill>
+                  <a:schemeClr val="tx1"/>
+                </a:solidFill>
+              </a:rPr>
+              <a:t>(</a:t>
+            </a:r>
+            <a:r>
+              <a:rPr lang="zh-CN" altLang="en-US" dirty="0">
+                <a:solidFill>
+                  <a:schemeClr val="tx1"/>
+                </a:solidFill>
+              </a:rPr>
+              <a:t>匿名</a:t>
+            </a:r>
+            <a:r>
+              <a:rPr lang="en-US" altLang="zh-CN" dirty="0" smtClean="0">
+                <a:solidFill>
+                  <a:schemeClr val="tx1"/>
+                </a:solidFill>
+              </a:rPr>
+              <a:t>)</a:t>
+            </a:r>
+            <a:r>
+              <a:rPr lang="en-US" altLang="zh-CN" dirty="0" smtClean="0"/>
+              <a:t> </a:t>
+            </a:r>
+            <a:r>
+              <a:rPr lang="en-US" altLang="zh-CN" dirty="0"/>
+              <a:t>of computer-mediated communication, using this to engage in </a:t>
+            </a:r>
+            <a:r>
+              <a:rPr lang="en-US" altLang="zh-CN" dirty="0" err="1"/>
+              <a:t>behaviour</a:t>
+            </a:r>
+            <a:r>
+              <a:rPr lang="en-US" altLang="zh-CN" dirty="0"/>
+              <a:t> that many of them would not consider in real life. Online communities, social media platforms, and technology companies have been investing heavily in ways to </a:t>
+            </a:r>
+            <a:r>
+              <a:rPr lang="en-US" altLang="zh-CN" b="1" dirty="0">
+                <a:solidFill>
+                  <a:srgbClr val="0070C0"/>
+                </a:solidFill>
+              </a:rPr>
+              <a:t>cope with </a:t>
+            </a:r>
+            <a:r>
+              <a:rPr lang="en-US" altLang="zh-CN" b="1" dirty="0" smtClean="0">
+                <a:solidFill>
+                  <a:srgbClr val="0070C0"/>
+                </a:solidFill>
+              </a:rPr>
+              <a:t>offensive(</a:t>
+            </a:r>
+            <a:r>
+              <a:rPr lang="zh-CN" altLang="en-US" b="1" dirty="0">
+                <a:solidFill>
+                  <a:srgbClr val="0070C0"/>
+                </a:solidFill>
+              </a:rPr>
+              <a:t>冒犯的</a:t>
+            </a:r>
+            <a:r>
+              <a:rPr lang="en-US" altLang="zh-CN" b="1" dirty="0" smtClean="0">
+                <a:solidFill>
+                  <a:srgbClr val="0070C0"/>
+                </a:solidFill>
+              </a:rPr>
+              <a:t>) </a:t>
+            </a:r>
+            <a:r>
+              <a:rPr lang="en-US" altLang="zh-CN" b="1" dirty="0">
+                <a:solidFill>
+                  <a:srgbClr val="0070C0"/>
+                </a:solidFill>
+              </a:rPr>
+              <a:t>language to prevent </a:t>
+            </a:r>
+            <a:r>
+              <a:rPr lang="en-US" altLang="zh-CN" b="1" dirty="0" smtClean="0">
+                <a:solidFill>
+                  <a:srgbClr val="0070C0"/>
+                </a:solidFill>
+              </a:rPr>
+              <a:t>abusive </a:t>
+            </a:r>
+            <a:r>
+              <a:rPr lang="en-US" altLang="zh-CN" b="1" dirty="0" err="1">
+                <a:solidFill>
+                  <a:srgbClr val="0070C0"/>
+                </a:solidFill>
+              </a:rPr>
+              <a:t>behaviour</a:t>
+            </a:r>
+            <a:r>
+              <a:rPr lang="en-US" altLang="zh-CN" dirty="0"/>
+              <a:t> in social media.</a:t>
+            </a:r>
+          </a:p>
+          <a:p>
+            <a:pPr lvl="1"/>
+            <a:r>
+              <a:rPr lang="en-US" altLang="zh-CN" dirty="0" smtClean="0"/>
+              <a:t>In </a:t>
+            </a:r>
+            <a:r>
+              <a:rPr lang="en-US" altLang="zh-CN" dirty="0" err="1"/>
+              <a:t>OffensEval</a:t>
+            </a:r>
+            <a:r>
+              <a:rPr lang="en-US" altLang="zh-CN" dirty="0"/>
+              <a:t> we break down offensive content into three sub-tasks taking the </a:t>
+            </a:r>
+            <a:r>
+              <a:rPr lang="en-US" altLang="zh-CN" b="1" dirty="0"/>
+              <a:t>type</a:t>
+            </a:r>
+            <a:r>
+              <a:rPr lang="en-US" altLang="zh-CN" dirty="0"/>
+              <a:t> and </a:t>
+            </a:r>
+            <a:r>
+              <a:rPr lang="en-US" altLang="zh-CN" b="1" dirty="0"/>
+              <a:t>target</a:t>
+            </a:r>
+            <a:r>
+              <a:rPr lang="en-US" altLang="zh-CN" dirty="0"/>
+              <a:t> of offenses into </a:t>
+            </a:r>
+            <a:r>
+              <a:rPr lang="en-US" altLang="zh-CN" dirty="0" smtClean="0"/>
+              <a:t>account.</a:t>
+            </a:r>
+          </a:p>
+          <a:p>
+            <a:pPr lvl="1"/>
+            <a:endParaRPr kumimoji="1" lang="en-US" altLang="zh-CN" dirty="0" smtClean="0"/>
+          </a:p>
+          <a:p>
+            <a:r>
+              <a:rPr kumimoji="1" lang="en-US" altLang="zh-CN" dirty="0" smtClean="0">
+                <a:hlinkClick r:id="rId2"/>
+              </a:rPr>
+              <a:t>https</a:t>
+            </a:r>
+            <a:r>
+              <a:rPr kumimoji="1" lang="en-US" altLang="zh-CN" dirty="0">
+                <a:hlinkClick r:id="rId2"/>
+              </a:rPr>
+              <a:t>://</a:t>
+            </a:r>
+            <a:r>
+              <a:rPr kumimoji="1" lang="en-US" altLang="zh-CN" dirty="0" smtClean="0">
+                <a:hlinkClick r:id="rId2"/>
+              </a:rPr>
+              <a:t>competitions.codalab.org/competitions/20011</a:t>
+            </a:r>
+            <a:endParaRPr kumimoji="1" lang="zh-CN" altLang="en-US" dirty="0"/>
+          </a:p>
+          <a:p>
+            <a:endParaRPr lang="en-US" altLang="zh-CN" dirty="0"/>
+          </a:p>
+        </p:txBody>
+      </p:sp>
+    </p:spTree>
+    <p:extLst>
+      <p:ext uri="{BB962C8B-B14F-4D97-AF65-F5344CB8AC3E}">
+        <p14:creationId xmlns:p14="http://schemas.microsoft.com/office/powerpoint/2010/main" val="2122787002"/>
+      </p:ext>
+    </p:extLst>
+  </p:cSld>
+  <p:clrMapOvr>
+    <a:masterClrMapping/>
+  </p:clrMapOvr>
+  <p:timing>
+    <p:tnLst>
+      <p:par>
+        <p:cTn id="1" dur="indefinite" restart="never" nodeType="tmRoot"/>
+      </p:par>
+    </p:tnLst>
+  </p:timing>
+</p:sld>
+</file>
+
+<file path=ppt/slides/slide12.xml><?xml version="1.0" encoding="utf-8"?>
+<p:sld xmlns:a="http://schemas.openxmlformats.org/drawingml/2006/main" xmlns:r="http://schemas.openxmlformats.org/officeDocument/2006/relationships" xmlns:p="http://schemas.openxmlformats.org/presentationml/2006/main">
+  <p:cSld>
+    <p:spTree>
+      <p:nvGrpSpPr>
+        <p:cNvPr id="1" name=""/>
+        <p:cNvGrpSpPr/>
+        <p:nvPr/>
+      </p:nvGrpSpPr>
+      <p:grpSpPr>
+        <a:xfrm>
+          <a:off x="0" y="0"/>
+          <a:ext cx="0" cy="0"/>
+          <a:chOff x="0" y="0"/>
+          <a:chExt cx="0" cy="0"/>
+        </a:xfrm>
+      </p:grpSpPr>
+      <p:sp>
+        <p:nvSpPr>
+          <p:cNvPr id="2" name="标题 1"/>
+          <p:cNvSpPr>
+            <a:spLocks noGrp="1"/>
+          </p:cNvSpPr>
+          <p:nvPr>
+            <p:ph type="title"/>
+          </p:nvPr>
+        </p:nvSpPr>
+        <p:spPr/>
+        <p:txBody>
+          <a:bodyPr>
+            <a:normAutofit/>
+          </a:bodyPr>
+          <a:lstStyle/>
+          <a:p>
+            <a:r>
+              <a:rPr kumimoji="1" lang="en-US" altLang="zh-CN" sz="4000" dirty="0"/>
+              <a:t>Task 6: </a:t>
+            </a:r>
+            <a:r>
+              <a:rPr kumimoji="1" lang="en-US" altLang="zh-CN" sz="4000" dirty="0" err="1"/>
+              <a:t>OffensEval</a:t>
+            </a:r>
+            <a:r>
+              <a:rPr kumimoji="1" lang="en-US" altLang="zh-CN" sz="4000" dirty="0"/>
+              <a:t>: Identifying and Categorizing Offensive Language in Social Media</a:t>
+            </a:r>
             <a:endParaRPr kumimoji="1" lang="zh-CN" altLang="en-US" sz="4000" dirty="0"/>
           </a:p>
         </p:txBody>
@@ -4860,7 +5901,7 @@
 </p:sld>
 </file>
 
-<file path=ppt/slides/slide12.xml><?xml version="1.0" encoding="utf-8"?>
+<file path=ppt/slides/slide13.xml><?xml version="1.0" encoding="utf-8"?>
 <p:sld xmlns:a="http://schemas.openxmlformats.org/drawingml/2006/main" xmlns:r="http://schemas.openxmlformats.org/officeDocument/2006/relationships" xmlns:p="http://schemas.openxmlformats.org/presentationml/2006/main">
   <p:cSld>
     <p:spTree>
@@ -5316,6 +6357,13 @@
   <p:clrMapOvr>
     <a:masterClrMapping/>
   </p:clrMapOvr>
+  <p:timing>
+    <p:tnLst>
+      <p:par>
+        <p:cTn id="1" dur="indefinite" restart="never" nodeType="tmRoot"/>
+      </p:par>
+    </p:tnLst>
+  </p:timing>
 </p:sld>
 </file>
 
@@ -6837,6 +7885,13 @@
   <p:clrMapOvr>
     <a:masterClrMapping/>
   </p:clrMapOvr>
+  <p:timing>
+    <p:tnLst>
+      <p:par>
+        <p:cTn id="1" dur="indefinite" restart="never" nodeType="tmRoot"/>
+      </p:par>
+    </p:tnLst>
+  </p:timing>
 </p:sld>
 </file>
 
@@ -6874,179 +7929,54 @@
           <a:p>
             <a:r>
               <a:rPr kumimoji="1" lang="en-US" altLang="zh-CN" dirty="0"/>
-              <a:t>Task 4: </a:t>
+              <a:t>Task 3: </a:t>
             </a:r>
             <a:r>
               <a:rPr kumimoji="1" lang="en-US" altLang="zh-CN" dirty="0" err="1"/>
-              <a:t>Hyperpartisan</a:t>
+              <a:t>EmoContext</a:t>
             </a:r>
             <a:r>
               <a:rPr kumimoji="1" lang="en-US" altLang="zh-CN" dirty="0"/>
-              <a:t> News Detection</a:t>
+              <a:t>: Contextual Emotion Detection in Text</a:t>
             </a:r>
             <a:endParaRPr kumimoji="1" lang="zh-CN" altLang="en-US" dirty="0"/>
           </a:p>
         </p:txBody>
       </p:sp>
-      <p:sp>
-        <p:nvSpPr>
-          <p:cNvPr id="3" name="内容占位符 2"/>
-          <p:cNvSpPr>
-            <a:spLocks noGrp="1"/>
-          </p:cNvSpPr>
-          <p:nvPr>
-            <p:ph idx="1"/>
-          </p:nvPr>
-        </p:nvSpPr>
-        <p:spPr/>
-        <p:txBody>
-          <a:bodyPr>
-            <a:normAutofit/>
-          </a:bodyPr>
-          <a:lstStyle/>
-          <a:p>
-            <a:endParaRPr lang="en-US" altLang="zh-CN" dirty="0" smtClean="0"/>
-          </a:p>
-          <a:p>
-            <a:r>
-              <a:rPr lang="en-US" altLang="zh-CN" dirty="0" smtClean="0"/>
-              <a:t>Task</a:t>
-            </a:r>
-            <a:endParaRPr lang="en-US" altLang="zh-CN" dirty="0"/>
-          </a:p>
-          <a:p>
-            <a:pPr lvl="1"/>
-            <a:r>
-              <a:rPr lang="en-US" altLang="zh-CN" dirty="0"/>
-              <a:t>Given a </a:t>
-            </a:r>
-            <a:r>
-              <a:rPr lang="en-US" altLang="zh-CN" b="1" dirty="0">
-                <a:solidFill>
-                  <a:srgbClr val="FF0000"/>
-                </a:solidFill>
-              </a:rPr>
-              <a:t>news article text</a:t>
-            </a:r>
-            <a:r>
-              <a:rPr lang="en-US" altLang="zh-CN" dirty="0"/>
-              <a:t>, decide whether it follows a </a:t>
-            </a:r>
-            <a:r>
-              <a:rPr lang="en-US" altLang="zh-CN" dirty="0" smtClean="0">
-                <a:hlinkClick r:id="rId2"/>
-              </a:rPr>
-              <a:t>hyperpartisan</a:t>
-            </a:r>
-            <a:r>
-              <a:rPr lang="en-US" altLang="zh-CN" dirty="0" smtClean="0"/>
-              <a:t>(</a:t>
-            </a:r>
-            <a:r>
-              <a:rPr lang="zh-CN" altLang="en-US" dirty="0"/>
-              <a:t>偏袒的</a:t>
-            </a:r>
-            <a:r>
-              <a:rPr lang="en-US" altLang="zh-CN" dirty="0" smtClean="0"/>
-              <a:t>)</a:t>
-            </a:r>
-            <a:r>
-              <a:rPr lang="en-US" altLang="zh-CN" dirty="0"/>
-              <a:t> </a:t>
-            </a:r>
-            <a:r>
-              <a:rPr lang="en-US" altLang="zh-CN" dirty="0" smtClean="0"/>
-              <a:t>argumentation</a:t>
-            </a:r>
-          </a:p>
-          <a:p>
-            <a:pPr lvl="2"/>
-            <a:r>
-              <a:rPr lang="en-US" altLang="zh-CN" dirty="0" smtClean="0"/>
-              <a:t>i.e</a:t>
-            </a:r>
-            <a:r>
-              <a:rPr lang="en-US" altLang="zh-CN" dirty="0"/>
-              <a:t>., whether it exhibits blind, prejudiced, or unreasoning </a:t>
-            </a:r>
-            <a:r>
-              <a:rPr lang="en-US" altLang="zh-CN" dirty="0" smtClean="0"/>
-              <a:t>allegiance(</a:t>
-            </a:r>
-            <a:r>
-              <a:rPr lang="zh-CN" altLang="en-US" dirty="0"/>
-              <a:t>忠诚</a:t>
-            </a:r>
-            <a:r>
-              <a:rPr lang="en-US" altLang="zh-CN" dirty="0" smtClean="0"/>
-              <a:t>) </a:t>
-            </a:r>
-            <a:r>
-              <a:rPr lang="en-US" altLang="zh-CN" dirty="0"/>
-              <a:t>to one party, faction, cause, or person.</a:t>
-            </a:r>
-          </a:p>
-          <a:p>
-            <a:r>
-              <a:rPr lang="en-US" altLang="zh-CN" dirty="0" smtClean="0"/>
-              <a:t>Data Set</a:t>
-            </a:r>
-          </a:p>
-          <a:p>
-            <a:pPr lvl="1"/>
-            <a:r>
-              <a:rPr lang="en-US" altLang="zh-CN" dirty="0" smtClean="0"/>
-              <a:t>We </a:t>
-            </a:r>
-            <a:r>
-              <a:rPr lang="en-US" altLang="zh-CN" dirty="0"/>
-              <a:t>will provide </a:t>
-            </a:r>
-            <a:r>
-              <a:rPr lang="en-US" altLang="zh-CN" b="1" dirty="0">
-                <a:solidFill>
-                  <a:srgbClr val="FF0000"/>
-                </a:solidFill>
-              </a:rPr>
-              <a:t>1 million articles</a:t>
-            </a:r>
-            <a:r>
-              <a:rPr lang="en-US" altLang="zh-CN" dirty="0"/>
-              <a:t> labeled by the overall tendency of the publisher for training your algorithm</a:t>
-            </a:r>
-            <a:r>
-              <a:rPr lang="en-US" altLang="zh-CN" dirty="0" smtClean="0"/>
-              <a:t>.</a:t>
-            </a:r>
-            <a:endParaRPr kumimoji="1" lang="en-US" altLang="zh-CN" dirty="0" smtClean="0"/>
-          </a:p>
-          <a:p>
-            <a:endParaRPr kumimoji="1" lang="en-US" altLang="zh-CN" dirty="0" smtClean="0"/>
-          </a:p>
-          <a:p>
-            <a:r>
-              <a:rPr lang="en-US" altLang="zh-CN" dirty="0">
-                <a:hlinkClick r:id="rId3"/>
-              </a:rPr>
-              <a:t>https://pan.webis.de/semeval19/semeval19-web</a:t>
-            </a:r>
-            <a:r>
-              <a:rPr lang="en-US" altLang="zh-CN" dirty="0" smtClean="0">
-                <a:hlinkClick r:id="rId3"/>
-              </a:rPr>
-              <a:t>/</a:t>
-            </a:r>
-            <a:endParaRPr lang="en-US" altLang="zh-CN" dirty="0" smtClean="0"/>
-          </a:p>
-          <a:p>
-            <a:endParaRPr kumimoji="1" lang="en-US" altLang="zh-CN" dirty="0"/>
-          </a:p>
-        </p:txBody>
-      </p:sp>
+      <p:pic>
+        <p:nvPicPr>
+          <p:cNvPr id="4" name="图片 3"/>
+          <p:cNvPicPr>
+            <a:picLocks noChangeAspect="1"/>
+          </p:cNvPicPr>
+          <p:nvPr/>
+        </p:nvPicPr>
+        <p:blipFill>
+          <a:blip r:embed="rId2">
+            <a:extLst>
+              <a:ext uri="{28A0092B-C50C-407E-A947-70E740481C1C}">
+                <a14:useLocalDpi xmlns:a14="http://schemas.microsoft.com/office/drawing/2010/main" val="0"/>
+              </a:ext>
+            </a:extLst>
+          </a:blip>
+          <a:stretch>
+            <a:fillRect/>
+          </a:stretch>
+        </p:blipFill>
+        <p:spPr>
+          <a:xfrm>
+            <a:off x="3011805" y="1878472"/>
+            <a:ext cx="6229350" cy="4355640"/>
+          </a:xfrm>
+          <a:prstGeom prst="rect">
+            <a:avLst/>
+          </a:prstGeom>
+        </p:spPr>
+      </p:pic>
     </p:spTree>
     <p:extLst>
       <p:ext uri="{BB962C8B-B14F-4D97-AF65-F5344CB8AC3E}">
-        <p14:creationId xmlns:p14="http://schemas.microsoft.com/office/powerpoint/2010/main" val="677597913"/>
+        <p14:creationId xmlns:p14="http://schemas.microsoft.com/office/powerpoint/2010/main" val="1121338"/>
       </p:ext>
     </p:extLst>
   </p:cSld>
@@ -7104,6 +8034,229 @@
           </a:p>
         </p:txBody>
       </p:sp>
+      <p:sp>
+        <p:nvSpPr>
+          <p:cNvPr id="3" name="内容占位符 2"/>
+          <p:cNvSpPr>
+            <a:spLocks noGrp="1"/>
+          </p:cNvSpPr>
+          <p:nvPr>
+            <p:ph idx="1"/>
+          </p:nvPr>
+        </p:nvSpPr>
+        <p:spPr/>
+        <p:txBody>
+          <a:bodyPr>
+            <a:normAutofit/>
+          </a:bodyPr>
+          <a:lstStyle/>
+          <a:p>
+            <a:endParaRPr lang="en-US" altLang="zh-CN" dirty="0" smtClean="0"/>
+          </a:p>
+          <a:p>
+            <a:r>
+              <a:rPr lang="en-US" altLang="zh-CN" dirty="0" smtClean="0"/>
+              <a:t>Task</a:t>
+            </a:r>
+            <a:endParaRPr lang="en-US" altLang="zh-CN" dirty="0"/>
+          </a:p>
+          <a:p>
+            <a:pPr lvl="1"/>
+            <a:r>
+              <a:rPr lang="en-US" altLang="zh-CN" dirty="0"/>
+              <a:t>Given a </a:t>
+            </a:r>
+            <a:r>
+              <a:rPr lang="en-US" altLang="zh-CN" b="1" dirty="0">
+                <a:solidFill>
+                  <a:srgbClr val="FF0000"/>
+                </a:solidFill>
+              </a:rPr>
+              <a:t>news article text</a:t>
+            </a:r>
+            <a:r>
+              <a:rPr lang="en-US" altLang="zh-CN" dirty="0"/>
+              <a:t>, decide whether it follows a </a:t>
+            </a:r>
+            <a:r>
+              <a:rPr lang="en-US" altLang="zh-CN" dirty="0" smtClean="0">
+                <a:hlinkClick r:id="rId2"/>
+              </a:rPr>
+              <a:t>hyperpartisan</a:t>
+            </a:r>
+            <a:r>
+              <a:rPr lang="en-US" altLang="zh-CN" dirty="0" smtClean="0"/>
+              <a:t>(</a:t>
+            </a:r>
+            <a:r>
+              <a:rPr lang="zh-CN" altLang="en-US" dirty="0"/>
+              <a:t>偏袒的</a:t>
+            </a:r>
+            <a:r>
+              <a:rPr lang="en-US" altLang="zh-CN" dirty="0" smtClean="0"/>
+              <a:t>)</a:t>
+            </a:r>
+            <a:r>
+              <a:rPr lang="en-US" altLang="zh-CN" dirty="0"/>
+              <a:t> </a:t>
+            </a:r>
+            <a:r>
+              <a:rPr lang="en-US" altLang="zh-CN" dirty="0" smtClean="0"/>
+              <a:t>argumentation</a:t>
+            </a:r>
+          </a:p>
+          <a:p>
+            <a:pPr lvl="2"/>
+            <a:r>
+              <a:rPr lang="en-US" altLang="zh-CN" dirty="0" smtClean="0"/>
+              <a:t>i.e</a:t>
+            </a:r>
+            <a:r>
+              <a:rPr lang="en-US" altLang="zh-CN" dirty="0"/>
+              <a:t>., whether it exhibits blind, prejudiced, or unreasoning </a:t>
+            </a:r>
+            <a:r>
+              <a:rPr lang="en-US" altLang="zh-CN" dirty="0" smtClean="0"/>
+              <a:t>allegiance(</a:t>
+            </a:r>
+            <a:r>
+              <a:rPr lang="zh-CN" altLang="en-US" dirty="0"/>
+              <a:t>忠诚</a:t>
+            </a:r>
+            <a:r>
+              <a:rPr lang="en-US" altLang="zh-CN" dirty="0" smtClean="0"/>
+              <a:t>) </a:t>
+            </a:r>
+            <a:r>
+              <a:rPr lang="en-US" altLang="zh-CN" dirty="0"/>
+              <a:t>to one party, faction, cause, or person.</a:t>
+            </a:r>
+          </a:p>
+          <a:p>
+            <a:r>
+              <a:rPr lang="en-US" altLang="zh-CN" dirty="0" smtClean="0"/>
+              <a:t>Data Set</a:t>
+            </a:r>
+          </a:p>
+          <a:p>
+            <a:pPr lvl="1"/>
+            <a:r>
+              <a:rPr lang="en-US" altLang="zh-CN" dirty="0" smtClean="0"/>
+              <a:t>We </a:t>
+            </a:r>
+            <a:r>
+              <a:rPr lang="en-US" altLang="zh-CN" dirty="0"/>
+              <a:t>will provide </a:t>
+            </a:r>
+            <a:r>
+              <a:rPr lang="en-US" altLang="zh-CN" b="1" dirty="0">
+                <a:solidFill>
+                  <a:srgbClr val="FF0000"/>
+                </a:solidFill>
+              </a:rPr>
+              <a:t>1 million articles</a:t>
+            </a:r>
+            <a:r>
+              <a:rPr lang="en-US" altLang="zh-CN" dirty="0"/>
+              <a:t> labeled by the overall tendency of the publisher for training your algorithm</a:t>
+            </a:r>
+            <a:r>
+              <a:rPr lang="en-US" altLang="zh-CN" dirty="0" smtClean="0"/>
+              <a:t>.</a:t>
+            </a:r>
+            <a:endParaRPr kumimoji="1" lang="en-US" altLang="zh-CN" dirty="0" smtClean="0"/>
+          </a:p>
+          <a:p>
+            <a:endParaRPr kumimoji="1" lang="en-US" altLang="zh-CN" dirty="0" smtClean="0"/>
+          </a:p>
+          <a:p>
+            <a:r>
+              <a:rPr lang="en-US" altLang="zh-CN" dirty="0">
+                <a:hlinkClick r:id="rId3"/>
+              </a:rPr>
+              <a:t>https://pan.webis.de/semeval19/semeval19-web</a:t>
+            </a:r>
+            <a:r>
+              <a:rPr lang="en-US" altLang="zh-CN" dirty="0" smtClean="0">
+                <a:hlinkClick r:id="rId3"/>
+              </a:rPr>
+              <a:t>/</a:t>
+            </a:r>
+            <a:endParaRPr lang="en-US" altLang="zh-CN" dirty="0" smtClean="0"/>
+          </a:p>
+          <a:p>
+            <a:endParaRPr kumimoji="1" lang="en-US" altLang="zh-CN" dirty="0"/>
+          </a:p>
+        </p:txBody>
+      </p:sp>
+    </p:spTree>
+    <p:extLst>
+      <p:ext uri="{BB962C8B-B14F-4D97-AF65-F5344CB8AC3E}">
+        <p14:creationId xmlns:p14="http://schemas.microsoft.com/office/powerpoint/2010/main" val="677597913"/>
+      </p:ext>
+    </p:extLst>
+  </p:cSld>
+  <p:clrMapOvr>
+    <a:masterClrMapping/>
+  </p:clrMapOvr>
+  <p:timing>
+    <p:tnLst>
+      <p:par>
+        <p:cTn id="1" dur="indefinite" restart="never" nodeType="tmRoot"/>
+      </p:par>
+    </p:tnLst>
+  </p:timing>
+</p:sld>
+</file>
+
+<file path=ppt/slides/slide7.xml><?xml version="1.0" encoding="utf-8"?>
+<p:sld xmlns:a="http://schemas.openxmlformats.org/drawingml/2006/main" xmlns:r="http://schemas.openxmlformats.org/officeDocument/2006/relationships" xmlns:p="http://schemas.openxmlformats.org/presentationml/2006/main">
+  <p:cSld>
+    <p:spTree>
+      <p:nvGrpSpPr>
+        <p:cNvPr id="1" name=""/>
+        <p:cNvGrpSpPr/>
+        <p:nvPr/>
+      </p:nvGrpSpPr>
+      <p:grpSpPr>
+        <a:xfrm>
+          <a:off x="0" y="0"/>
+          <a:ext cx="0" cy="0"/>
+          <a:chOff x="0" y="0"/>
+          <a:chExt cx="0" cy="0"/>
+        </a:xfrm>
+      </p:grpSpPr>
+      <p:sp>
+        <p:nvSpPr>
+          <p:cNvPr id="2" name="标题 1"/>
+          <p:cNvSpPr>
+            <a:spLocks noGrp="1"/>
+          </p:cNvSpPr>
+          <p:nvPr>
+            <p:ph type="title"/>
+          </p:nvPr>
+        </p:nvSpPr>
+        <p:spPr/>
+        <p:txBody>
+          <a:bodyPr/>
+          <a:lstStyle/>
+          <a:p>
+            <a:r>
+              <a:rPr kumimoji="1" lang="en-US" altLang="zh-CN" dirty="0"/>
+              <a:t>Task 4: </a:t>
+            </a:r>
+            <a:r>
+              <a:rPr kumimoji="1" lang="en-US" altLang="zh-CN" dirty="0" err="1"/>
+              <a:t>Hyperpartisan</a:t>
+            </a:r>
+            <a:r>
+              <a:rPr kumimoji="1" lang="en-US" altLang="zh-CN" dirty="0"/>
+              <a:t> News Detection</a:t>
+            </a:r>
+            <a:endParaRPr kumimoji="1" lang="zh-CN" altLang="en-US" dirty="0"/>
+          </a:p>
+        </p:txBody>
+      </p:sp>
       <p:graphicFrame>
         <p:nvGraphicFramePr>
           <p:cNvPr id="7" name="表格 6"/>
@@ -7432,303 +8585,13 @@
   <p:clrMapOvr>
     <a:masterClrMapping/>
   </p:clrMapOvr>
-</p:sld>
-</file>
-
-<file path=ppt/slides/slide7.xml><?xml version="1.0" encoding="utf-8"?>
-<p:sld xmlns:a="http://schemas.openxmlformats.org/drawingml/2006/main" xmlns:r="http://schemas.openxmlformats.org/officeDocument/2006/relationships" xmlns:p="http://schemas.openxmlformats.org/presentationml/2006/main">
-  <p:cSld>
-    <p:spTree>
-      <p:nvGrpSpPr>
-        <p:cNvPr id="1" name=""/>
-        <p:cNvGrpSpPr/>
-        <p:nvPr/>
-      </p:nvGrpSpPr>
-      <p:grpSpPr>
-        <a:xfrm>
-          <a:off x="0" y="0"/>
-          <a:ext cx="0" cy="0"/>
-          <a:chOff x="0" y="0"/>
-          <a:chExt cx="0" cy="0"/>
-        </a:xfrm>
-      </p:grpSpPr>
-      <p:sp>
-        <p:nvSpPr>
-          <p:cNvPr id="2" name="标题 1"/>
-          <p:cNvSpPr>
-            <a:spLocks noGrp="1"/>
-          </p:cNvSpPr>
-          <p:nvPr>
-            <p:ph type="title"/>
-          </p:nvPr>
-        </p:nvSpPr>
-        <p:spPr/>
-        <p:txBody>
-          <a:bodyPr>
-            <a:normAutofit/>
-          </a:bodyPr>
-          <a:lstStyle/>
-          <a:p>
-            <a:r>
-              <a:rPr lang="en-US" altLang="zh-CN" dirty="0" smtClean="0"/>
-              <a:t>Task </a:t>
-            </a:r>
-            <a:r>
-              <a:rPr lang="en-US" altLang="zh-CN" dirty="0"/>
-              <a:t>5 - Shared Task on Multilingual Detection of </a:t>
-            </a:r>
-            <a:r>
-              <a:rPr lang="en-US" altLang="zh-CN" dirty="0" smtClean="0"/>
-              <a:t>Hate (</a:t>
-            </a:r>
-            <a:r>
-              <a:rPr lang="en-US" altLang="zh-CN" dirty="0" err="1"/>
-              <a:t>hatEval</a:t>
-            </a:r>
-            <a:r>
-              <a:rPr lang="en-US" altLang="zh-CN" dirty="0"/>
-              <a:t>)</a:t>
-            </a:r>
-          </a:p>
-        </p:txBody>
-      </p:sp>
-      <p:sp>
-        <p:nvSpPr>
-          <p:cNvPr id="3" name="内容占位符 2"/>
-          <p:cNvSpPr>
-            <a:spLocks noGrp="1"/>
-          </p:cNvSpPr>
-          <p:nvPr>
-            <p:ph idx="1"/>
-          </p:nvPr>
-        </p:nvSpPr>
-        <p:spPr/>
-        <p:txBody>
-          <a:bodyPr>
-            <a:normAutofit/>
-          </a:bodyPr>
-          <a:lstStyle/>
-          <a:p>
-            <a:endParaRPr lang="en-US" altLang="zh-CN" dirty="0" smtClean="0"/>
-          </a:p>
-          <a:p>
-            <a:r>
-              <a:rPr lang="en-US" altLang="zh-CN" dirty="0" smtClean="0"/>
-              <a:t>Hate </a:t>
-            </a:r>
-            <a:r>
-              <a:rPr lang="en-US" altLang="zh-CN" dirty="0"/>
-              <a:t>Speech is commonly </a:t>
-            </a:r>
-            <a:r>
-              <a:rPr lang="en-US" altLang="zh-CN" b="1" dirty="0">
-                <a:solidFill>
-                  <a:srgbClr val="FF0000"/>
-                </a:solidFill>
-              </a:rPr>
-              <a:t>defined</a:t>
-            </a:r>
-            <a:r>
-              <a:rPr lang="en-US" altLang="zh-CN" dirty="0"/>
-              <a:t> as any communication that </a:t>
-            </a:r>
-            <a:r>
-              <a:rPr lang="en-US" altLang="zh-CN" b="1" dirty="0" smtClean="0">
-                <a:solidFill>
-                  <a:srgbClr val="FF0000"/>
-                </a:solidFill>
-              </a:rPr>
-              <a:t>disparages </a:t>
-            </a:r>
-            <a:r>
-              <a:rPr lang="en-US" altLang="zh-CN" dirty="0" smtClean="0">
-                <a:solidFill>
-                  <a:srgbClr val="404040"/>
-                </a:solidFill>
-              </a:rPr>
-              <a:t>(</a:t>
-            </a:r>
-            <a:r>
-              <a:rPr lang="zh-CN" altLang="en-US" dirty="0">
-                <a:solidFill>
-                  <a:srgbClr val="404040"/>
-                </a:solidFill>
-              </a:rPr>
-              <a:t>贬低</a:t>
-            </a:r>
-            <a:r>
-              <a:rPr lang="en-US" altLang="zh-CN" dirty="0" smtClean="0">
-                <a:solidFill>
-                  <a:srgbClr val="404040"/>
-                </a:solidFill>
-              </a:rPr>
-              <a:t>) </a:t>
-            </a:r>
-            <a:r>
-              <a:rPr lang="en-US" altLang="zh-CN" dirty="0"/>
-              <a:t>a </a:t>
-            </a:r>
-            <a:r>
-              <a:rPr lang="en-US" altLang="zh-CN" b="1" dirty="0">
-                <a:solidFill>
-                  <a:srgbClr val="FF0000"/>
-                </a:solidFill>
-              </a:rPr>
-              <a:t>person or a group </a:t>
-            </a:r>
-            <a:r>
-              <a:rPr lang="en-US" altLang="zh-CN" dirty="0"/>
-              <a:t>on the basis of some </a:t>
-            </a:r>
-            <a:r>
-              <a:rPr lang="en-US" altLang="zh-CN" b="1" dirty="0" smtClean="0">
-                <a:solidFill>
-                  <a:srgbClr val="FF0000"/>
-                </a:solidFill>
-              </a:rPr>
-              <a:t>characteristic</a:t>
-            </a:r>
-            <a:endParaRPr lang="en-US" altLang="zh-CN" dirty="0" smtClean="0"/>
-          </a:p>
-          <a:p>
-            <a:pPr lvl="1"/>
-            <a:r>
-              <a:rPr lang="en-US" altLang="zh-CN" dirty="0" smtClean="0"/>
-              <a:t>such </a:t>
-            </a:r>
-            <a:r>
-              <a:rPr lang="en-US" altLang="zh-CN" dirty="0"/>
-              <a:t>as race, color, ethnicity, gender, sexual orientation, nationality, religion, or other characteristics. </a:t>
-            </a:r>
-          </a:p>
-          <a:p>
-            <a:endParaRPr lang="en-US" altLang="zh-CN" dirty="0" smtClean="0"/>
-          </a:p>
-          <a:p>
-            <a:r>
-              <a:rPr lang="en-US" altLang="zh-CN" dirty="0" smtClean="0"/>
-              <a:t>The </a:t>
-            </a:r>
-            <a:r>
-              <a:rPr lang="en-US" altLang="zh-CN" dirty="0"/>
-              <a:t>proposed task consists in Hate Speech detection in </a:t>
-            </a:r>
-            <a:r>
-              <a:rPr lang="en-US" altLang="zh-CN" b="1" dirty="0">
-                <a:solidFill>
-                  <a:srgbClr val="FF0000"/>
-                </a:solidFill>
-              </a:rPr>
-              <a:t>Twitter</a:t>
-            </a:r>
-            <a:r>
-              <a:rPr lang="en-US" altLang="zh-CN" b="1" dirty="0"/>
-              <a:t> </a:t>
-            </a:r>
-            <a:endParaRPr lang="en-US" altLang="zh-CN" b="1" dirty="0" smtClean="0"/>
-          </a:p>
-          <a:p>
-            <a:pPr lvl="1"/>
-            <a:r>
-              <a:rPr lang="en-US" altLang="zh-CN" dirty="0" smtClean="0"/>
-              <a:t>featured </a:t>
-            </a:r>
-            <a:r>
-              <a:rPr lang="en-US" altLang="zh-CN" dirty="0"/>
-              <a:t>by two specific different targets, </a:t>
-            </a:r>
-            <a:r>
-              <a:rPr lang="en-US" altLang="zh-CN" b="1" dirty="0">
-                <a:solidFill>
-                  <a:srgbClr val="FF0000"/>
-                </a:solidFill>
-              </a:rPr>
-              <a:t>immigrants</a:t>
-            </a:r>
-            <a:r>
-              <a:rPr lang="en-US" altLang="zh-CN" dirty="0"/>
-              <a:t> and </a:t>
-            </a:r>
-            <a:r>
-              <a:rPr lang="en-US" altLang="zh-CN" b="1" dirty="0" smtClean="0">
-                <a:solidFill>
-                  <a:srgbClr val="FF0000"/>
-                </a:solidFill>
-              </a:rPr>
-              <a:t>women</a:t>
-            </a:r>
-            <a:endParaRPr lang="en-US" altLang="zh-CN" dirty="0" smtClean="0">
-              <a:solidFill>
-                <a:srgbClr val="FF0000"/>
-              </a:solidFill>
-            </a:endParaRPr>
-          </a:p>
-          <a:p>
-            <a:pPr lvl="1"/>
-            <a:r>
-              <a:rPr lang="en-US" altLang="zh-CN" dirty="0" smtClean="0"/>
-              <a:t>in </a:t>
-            </a:r>
-            <a:r>
-              <a:rPr lang="en-US" altLang="zh-CN" dirty="0"/>
-              <a:t>a multilingual perspective, for </a:t>
-            </a:r>
-            <a:r>
-              <a:rPr lang="en-US" altLang="zh-CN" b="1" dirty="0">
-                <a:solidFill>
-                  <a:srgbClr val="FF0000"/>
-                </a:solidFill>
-              </a:rPr>
-              <a:t>Spanish</a:t>
-            </a:r>
-            <a:r>
-              <a:rPr lang="en-US" altLang="zh-CN" dirty="0"/>
-              <a:t> and </a:t>
-            </a:r>
-            <a:r>
-              <a:rPr lang="en-US" altLang="zh-CN" b="1" dirty="0">
-                <a:solidFill>
-                  <a:srgbClr val="FF0000"/>
-                </a:solidFill>
-              </a:rPr>
-              <a:t>English</a:t>
-            </a:r>
-            <a:r>
-              <a:rPr lang="en-US" altLang="zh-CN" dirty="0"/>
-              <a:t>. </a:t>
-            </a:r>
-            <a:endParaRPr lang="en-US" altLang="zh-CN" dirty="0" smtClean="0"/>
-          </a:p>
-          <a:p>
-            <a:endParaRPr lang="en-US" altLang="zh-CN" dirty="0" smtClean="0"/>
-          </a:p>
-          <a:p>
-            <a:r>
-              <a:rPr lang="en-US" altLang="zh-CN" dirty="0">
-                <a:hlinkClick r:id="rId2"/>
-              </a:rPr>
-              <a:t>https://</a:t>
-            </a:r>
-            <a:r>
-              <a:rPr lang="en-US" altLang="zh-CN" dirty="0" smtClean="0">
-                <a:hlinkClick r:id="rId2"/>
-              </a:rPr>
-              <a:t>competitions.codalab.org/competitions/19935</a:t>
-            </a:r>
-            <a:endParaRPr lang="en-US" altLang="zh-CN" dirty="0"/>
-          </a:p>
-        </p:txBody>
-      </p:sp>
-    </p:spTree>
-    <p:extLst>
-      <p:ext uri="{BB962C8B-B14F-4D97-AF65-F5344CB8AC3E}">
-        <p14:creationId xmlns:p14="http://schemas.microsoft.com/office/powerpoint/2010/main" val="608736846"/>
-      </p:ext>
-    </p:extLst>
-  </p:cSld>
-  <p:clrMapOvr>
-    <a:masterClrMapping/>
-  </p:clrMapOvr>
+  <p:timing>
+    <p:tnLst>
+      <p:par>
+        <p:cTn id="1" dur="indefinite" restart="never" nodeType="tmRoot"/>
+      </p:par>
+    </p:tnLst>
+  </p:timing>
 </p:sld>
 </file>
 
@@ -7775,7 +8638,7 @@
               <a:t>5 - Shared Task on Multilingual Detection of </a:t>
             </a:r>
             <a:r>
-              <a:rPr lang="en-US" altLang="zh-CN" dirty="0"/>
+              <a:rPr lang="en-US" altLang="zh-CN" dirty="0" smtClean="0"/>
               <a:t>Hate (</a:t>
             </a:r>
             <a:r>
@@ -7786,7 +8649,6 @@
               <a:rPr lang="en-US" altLang="zh-CN" dirty="0"/>
               <a:t>)</a:t>
             </a:r>
-            <a:endParaRPr kumimoji="1" lang="zh-CN" altLang="en-US" dirty="0"/>
           </a:p>
         </p:txBody>
       </p:sp>
@@ -7802,57 +8664,69 @@
         </p:nvSpPr>
         <p:spPr/>
         <p:txBody>
-          <a:bodyPr/>
+          <a:bodyPr>
+            <a:normAutofit/>
+          </a:bodyPr>
           <a:lstStyle/>
           <a:p>
-            <a:endParaRPr lang="en-US" altLang="zh-CN" b="1" dirty="0" smtClean="0"/>
-          </a:p>
-          <a:p>
-            <a:r>
-              <a:rPr lang="en-US" altLang="zh-CN" b="1" dirty="0" smtClean="0"/>
-              <a:t>TASK </a:t>
-            </a:r>
-            <a:r>
-              <a:rPr lang="en-US" altLang="zh-CN" b="1" dirty="0"/>
-              <a:t>A - Hate Speech Detection against Immigrants and </a:t>
-            </a:r>
-            <a:r>
-              <a:rPr lang="en-US" altLang="zh-CN" b="1" dirty="0" smtClean="0"/>
-              <a:t>Women</a:t>
-            </a:r>
-          </a:p>
-          <a:p>
-            <a:pPr lvl="1"/>
+            <a:endParaRPr lang="en-US" altLang="zh-CN" dirty="0" smtClean="0"/>
+          </a:p>
+          <a:p>
             <a:r>
               <a:rPr lang="en-US" altLang="zh-CN" dirty="0" smtClean="0"/>
-              <a:t>a </a:t>
+              <a:t>Hate </a:t>
             </a:r>
             <a:r>
               <a:rPr lang="en-US" altLang="zh-CN" dirty="0"/>
-              <a:t>two-class (or binary) </a:t>
-            </a:r>
-            <a:r>
-              <a:rPr lang="en-US" altLang="zh-CN" dirty="0" smtClean="0"/>
-              <a:t>classification</a:t>
-            </a:r>
-          </a:p>
-          <a:p>
-            <a:pPr lvl="2"/>
+              <a:t>Speech is commonly </a:t>
+            </a:r>
+            <a:r>
+              <a:rPr lang="en-US" altLang="zh-CN" b="1" dirty="0">
+                <a:solidFill>
+                  <a:srgbClr val="FF0000"/>
+                </a:solidFill>
+              </a:rPr>
+              <a:t>defined</a:t>
+            </a:r>
+            <a:r>
+              <a:rPr lang="en-US" altLang="zh-CN" dirty="0"/>
+              <a:t> as any communication that </a:t>
+            </a:r>
+            <a:r>
+              <a:rPr lang="en-US" altLang="zh-CN" b="1" dirty="0" smtClean="0">
+                <a:solidFill>
+                  <a:srgbClr val="FF0000"/>
+                </a:solidFill>
+              </a:rPr>
+              <a:t>disparages </a:t>
+            </a:r>
             <a:r>
               <a:rPr lang="en-US" altLang="zh-CN" dirty="0" smtClean="0">
                 <a:solidFill>
                   <a:srgbClr val="404040"/>
                 </a:solidFill>
               </a:rPr>
-              <a:t>whether </a:t>
-            </a:r>
-            <a:r>
-              <a:rPr lang="en-US" altLang="zh-CN" dirty="0">
+              <a:t>(</a:t>
+            </a:r>
+            <a:r>
+              <a:rPr lang="zh-CN" altLang="en-US" dirty="0">
                 <a:solidFill>
                   <a:srgbClr val="404040"/>
                 </a:solidFill>
               </a:rPr>
-              <a:t>a tweet in English or in Spanish with a </a:t>
+              <a:t>贬低</a:t>
+            </a:r>
+            <a:r>
+              <a:rPr lang="en-US" altLang="zh-CN" dirty="0" smtClean="0">
+                <a:solidFill>
+                  <a:srgbClr val="404040"/>
+                </a:solidFill>
+              </a:rPr>
+              <a:t>) </a:t>
+            </a:r>
+            <a:r>
+              <a:rPr lang="en-US" altLang="zh-CN" dirty="0"/>
+              <a:t>a </a:t>
             </a:r>
             <a:r>
               <a:rPr lang="en-US" altLang="zh-CN" b="1" dirty="0">
@@ -7860,15 +8734,44 @@
                   <a:srgbClr val="FF0000"/>
                 </a:solidFill>
               </a:rPr>
-              <a:t>given target</a:t>
-            </a:r>
-            <a:r>
-              <a:rPr lang="en-US" altLang="zh-CN" dirty="0">
+              <a:t>person or a group </a:t>
+            </a:r>
+            <a:r>
+              <a:rPr lang="en-US" altLang="zh-CN" dirty="0"/>
+              <a:t>on the basis of some </a:t>
+            </a:r>
+            <a:r>
+              <a:rPr lang="en-US" altLang="zh-CN" b="1" dirty="0" smtClean="0">
                 <a:solidFill>
-                  <a:srgbClr val="404040"/>
+                  <a:srgbClr val="FF0000"/>
                 </a:solidFill>
               </a:rPr>
-              <a:t> (women or immigrants) is </a:t>
+              <a:t>characteristic</a:t>
+            </a:r>
+            <a:endParaRPr lang="en-US" altLang="zh-CN" dirty="0" smtClean="0"/>
+          </a:p>
+          <a:p>
+            <a:pPr lvl="1"/>
+            <a:r>
+              <a:rPr lang="en-US" altLang="zh-CN" dirty="0" smtClean="0"/>
+              <a:t>such </a:t>
+            </a:r>
+            <a:r>
+              <a:rPr lang="en-US" altLang="zh-CN" dirty="0"/>
+              <a:t>as race, color, ethnicity, gender, sexual orientation, nationality, religion, or other characteristics. </a:t>
+            </a:r>
+          </a:p>
+          <a:p>
+            <a:endParaRPr lang="en-US" altLang="zh-CN" dirty="0" smtClean="0"/>
+          </a:p>
+          <a:p>
+            <a:r>
+              <a:rPr lang="en-US" altLang="zh-CN" dirty="0" smtClean="0"/>
+              <a:t>The </a:t>
+            </a:r>
+            <a:r>
+              <a:rPr lang="en-US" altLang="zh-CN" dirty="0"/>
+              <a:t>proposed task consists in Hate Speech detection in </a:t>
             </a:r>
             <a:r>
               <a:rPr lang="en-US" altLang="zh-CN" b="1" dirty="0">
@@ -7876,15 +8779,23 @@
                   <a:srgbClr val="FF0000"/>
                 </a:solidFill>
               </a:rPr>
-              <a:t>hateful</a:t>
-            </a:r>
-            <a:r>
-              <a:rPr lang="en-US" altLang="zh-CN" dirty="0">
-                <a:solidFill>
-                  <a:srgbClr val="404040"/>
-                </a:solidFill>
-              </a:rPr>
-              <a:t> or </a:t>
+              <a:t>Twitter</a:t>
+            </a:r>
+            <a:r>
+              <a:rPr lang="en-US" altLang="zh-CN" b="1" dirty="0"/>
+              <a:t> </a:t>
+            </a:r>
+            <a:endParaRPr lang="en-US" altLang="zh-CN" b="1" dirty="0" smtClean="0"/>
+          </a:p>
+          <a:p>
+            <a:pPr lvl="1"/>
+            <a:r>
+              <a:rPr lang="en-US" altLang="zh-CN" dirty="0" smtClean="0"/>
+              <a:t>featured </a:t>
+            </a:r>
+            <a:r>
+              <a:rPr lang="en-US" altLang="zh-CN" dirty="0"/>
+              <a:t>by two specific different targets, </a:t>
             </a:r>
             <a:r>
               <a:rPr lang="en-US" altLang="zh-CN" b="1" dirty="0">
@@ -7892,28 +8803,35 @@
                   <a:srgbClr val="FF0000"/>
                 </a:solidFill>
               </a:rPr>
-              <a:t>not hateful</a:t>
-            </a:r>
-            <a:r>
-              <a:rPr lang="en-US" altLang="zh-CN" dirty="0">
+              <a:t>immigrants</a:t>
+            </a:r>
+            <a:r>
+              <a:rPr lang="en-US" altLang="zh-CN" dirty="0"/>
+              <a:t> and </a:t>
+            </a:r>
+            <a:r>
+              <a:rPr lang="en-US" altLang="zh-CN" b="1" dirty="0" smtClean="0">
                 <a:solidFill>
-                  <a:srgbClr val="404040"/>
+                  <a:srgbClr val="FF0000"/>
                 </a:solidFill>
               </a:rPr>
-              <a:t>.</a:t>
-            </a:r>
-          </a:p>
-          <a:p>
-            <a:endParaRPr lang="en-US" altLang="zh-CN" b="1" dirty="0" smtClean="0"/>
-          </a:p>
-          <a:p>
-            <a:r>
-              <a:rPr lang="en-US" altLang="zh-CN" b="1" dirty="0" smtClean="0"/>
-              <a:t>TASK </a:t>
-            </a:r>
-            <a:r>
-              <a:rPr lang="en-US" altLang="zh-CN" b="1" dirty="0"/>
-              <a:t>B - </a:t>
+              <a:t>women</a:t>
+            </a:r>
+            <a:endParaRPr lang="en-US" altLang="zh-CN" dirty="0" smtClean="0">
+              <a:solidFill>
+                <a:srgbClr val="FF0000"/>
+              </a:solidFill>
+            </a:endParaRPr>
+          </a:p>
+          <a:p>
+            <a:pPr lvl="1"/>
+            <a:r>
+              <a:rPr lang="en-US" altLang="zh-CN" dirty="0" smtClean="0"/>
+              <a:t>in </a:t>
+            </a:r>
+            <a:r>
+              <a:rPr lang="en-US" altLang="zh-CN" dirty="0"/>
+              <a:t>a multilingual perspective, for </a:t>
             </a:r>
             <a:r>
               <a:rPr lang="en-US" altLang="zh-CN" b="1" dirty="0">
@@ -7921,11 +8839,11 @@
                   <a:srgbClr val="FF0000"/>
                 </a:solidFill>
               </a:rPr>
-              <a:t>Aggressive</a:t>
-            </a:r>
-            <a:r>
-              <a:rPr lang="en-US" altLang="zh-CN" b="1" dirty="0"/>
-              <a:t> behavior and </a:t>
+              <a:t>Spanish</a:t>
+            </a:r>
+            <a:r>
+              <a:rPr lang="en-US" altLang="zh-CN" dirty="0"/>
+              <a:t> and </a:t>
             </a:r>
             <a:r>
               <a:rPr lang="en-US" altLang="zh-CN" b="1" dirty="0">
@@ -7933,213 +8851,51 @@
                   <a:srgbClr val="FF0000"/>
                 </a:solidFill>
               </a:rPr>
-              <a:t>Target</a:t>
-            </a:r>
-            <a:r>
-              <a:rPr lang="en-US" altLang="zh-CN" b="1" dirty="0"/>
-              <a:t> </a:t>
-            </a:r>
-            <a:r>
-              <a:rPr lang="en-US" altLang="zh-CN" b="1" dirty="0" smtClean="0"/>
-              <a:t>Classification</a:t>
-            </a:r>
-          </a:p>
-          <a:p>
-            <a:pPr lvl="1"/>
+              <a:t>English</a:t>
+            </a:r>
+            <a:r>
+              <a:rPr lang="en-US" altLang="zh-CN" dirty="0"/>
+              <a:t>. </a:t>
+            </a:r>
+            <a:endParaRPr lang="en-US" altLang="zh-CN" dirty="0" smtClean="0"/>
+          </a:p>
+          <a:p>
+            <a:endParaRPr lang="en-US" altLang="zh-CN" dirty="0" smtClean="0"/>
+          </a:p>
+          <a:p>
+            <a:r>
+              <a:rPr lang="en-US" altLang="zh-CN" dirty="0">
+                <a:hlinkClick r:id="rId2"/>
+              </a:rPr>
+              <a:t>https://</a:t>
+            </a:r>
             <a:r>
               <a:rPr lang="en-US" altLang="zh-CN" dirty="0" smtClean="0">
-                <a:solidFill>
-                  <a:schemeClr val="tx1"/>
-                </a:solidFill>
+                <a:hlinkClick r:id="rId2"/>
               </a:rPr>
-              <a:t>first </a:t>
-            </a:r>
-            <a:r>
-              <a:rPr lang="en-US" altLang="zh-CN" dirty="0">
-                <a:solidFill>
-                  <a:schemeClr val="tx1"/>
-                </a:solidFill>
-              </a:rPr>
-              <a:t>to classify </a:t>
-            </a:r>
-            <a:r>
-              <a:rPr lang="en-US" altLang="zh-CN" b="1" dirty="0">
-                <a:solidFill>
-                  <a:srgbClr val="FF0000"/>
-                </a:solidFill>
-              </a:rPr>
-              <a:t>hateful</a:t>
-            </a:r>
-            <a:r>
-              <a:rPr lang="en-US" altLang="zh-CN" dirty="0">
-                <a:solidFill>
-                  <a:schemeClr val="tx1"/>
-                </a:solidFill>
-              </a:rPr>
-              <a:t> </a:t>
-            </a:r>
-            <a:r>
-              <a:rPr lang="en-US" altLang="zh-CN" b="1" dirty="0">
-                <a:solidFill>
-                  <a:srgbClr val="FF0000"/>
-                </a:solidFill>
-              </a:rPr>
-              <a:t>tweets</a:t>
-            </a:r>
-            <a:r>
-              <a:rPr lang="en-US" altLang="zh-CN" dirty="0">
-                <a:solidFill>
-                  <a:schemeClr val="tx1"/>
-                </a:solidFill>
-              </a:rPr>
-              <a:t> </a:t>
-            </a:r>
-            <a:r>
-              <a:rPr lang="en-US" altLang="zh-CN" dirty="0"/>
-              <a:t>for English and Spanish (e.g., tweets where Hate Speech against women or immigrants has been </a:t>
-            </a:r>
-            <a:r>
-              <a:rPr lang="en-US" altLang="zh-CN" dirty="0">
-                <a:solidFill>
-                  <a:srgbClr val="404040"/>
-                </a:solidFill>
-              </a:rPr>
-              <a:t>identified) as </a:t>
-            </a:r>
-            <a:r>
-              <a:rPr lang="en-US" altLang="zh-CN" b="1" dirty="0">
-                <a:solidFill>
-                  <a:srgbClr val="FF0000"/>
-                </a:solidFill>
-              </a:rPr>
-              <a:t>aggressive</a:t>
-            </a:r>
-            <a:r>
-              <a:rPr lang="en-US" altLang="zh-CN" dirty="0">
-                <a:solidFill>
-                  <a:srgbClr val="404040"/>
-                </a:solidFill>
-              </a:rPr>
-              <a:t> or </a:t>
-            </a:r>
-            <a:r>
-              <a:rPr lang="en-US" altLang="zh-CN" b="1" dirty="0">
-                <a:solidFill>
-                  <a:srgbClr val="FF0000"/>
-                </a:solidFill>
-              </a:rPr>
-              <a:t>not </a:t>
-            </a:r>
-            <a:r>
-              <a:rPr lang="en-US" altLang="zh-CN" b="1" dirty="0" smtClean="0">
-                <a:solidFill>
-                  <a:srgbClr val="FF0000"/>
-                </a:solidFill>
-              </a:rPr>
-              <a:t>aggressive</a:t>
-            </a:r>
-          </a:p>
-          <a:p>
-            <a:pPr lvl="1"/>
-            <a:r>
-              <a:rPr lang="en-US" altLang="zh-CN" dirty="0" smtClean="0"/>
-              <a:t>second </a:t>
-            </a:r>
-            <a:r>
-              <a:rPr lang="en-US" altLang="zh-CN" dirty="0"/>
-              <a:t>to identify the </a:t>
-            </a:r>
-            <a:r>
-              <a:rPr lang="en-US" altLang="zh-CN" b="1" dirty="0">
-                <a:solidFill>
-                  <a:srgbClr val="FF0000"/>
-                </a:solidFill>
-              </a:rPr>
-              <a:t>target</a:t>
-            </a:r>
-            <a:r>
-              <a:rPr lang="en-US" altLang="zh-CN" dirty="0"/>
-              <a:t> </a:t>
-            </a:r>
-            <a:r>
-              <a:rPr lang="en-US" altLang="zh-CN" b="1" dirty="0">
-                <a:solidFill>
-                  <a:srgbClr val="FF0000"/>
-                </a:solidFill>
-              </a:rPr>
-              <a:t>harassed</a:t>
-            </a:r>
-            <a:r>
-              <a:rPr lang="en-US" altLang="zh-CN" dirty="0">
-                <a:solidFill>
-                  <a:srgbClr val="404040"/>
-                </a:solidFill>
-              </a:rPr>
-              <a:t> as </a:t>
-            </a:r>
-            <a:r>
-              <a:rPr lang="en-US" altLang="zh-CN" b="1" dirty="0">
-                <a:solidFill>
-                  <a:srgbClr val="FF0000"/>
-                </a:solidFill>
-              </a:rPr>
-              <a:t>individual</a:t>
-            </a:r>
-            <a:r>
-              <a:rPr lang="en-US" altLang="zh-CN" dirty="0">
-                <a:solidFill>
-                  <a:srgbClr val="FF0000"/>
-                </a:solidFill>
-              </a:rPr>
-              <a:t> </a:t>
-            </a:r>
-            <a:r>
-              <a:rPr lang="en-US" altLang="zh-CN" dirty="0">
-                <a:solidFill>
-                  <a:srgbClr val="404040"/>
-                </a:solidFill>
-              </a:rPr>
-              <a:t>or </a:t>
-            </a:r>
-            <a:r>
-              <a:rPr lang="en-US" altLang="zh-CN" b="1" dirty="0">
-                <a:solidFill>
-                  <a:srgbClr val="FF0000"/>
-                </a:solidFill>
-              </a:rPr>
-              <a:t>generic</a:t>
-            </a:r>
-            <a:r>
-              <a:rPr lang="en-US" altLang="zh-CN" dirty="0">
-                <a:solidFill>
-                  <a:srgbClr val="404040"/>
-                </a:solidFill>
-              </a:rPr>
-              <a:t> (i.e. single </a:t>
-            </a:r>
-            <a:r>
-              <a:rPr lang="en-US" altLang="zh-CN" dirty="0"/>
-              <a:t>human or group).</a:t>
-            </a:r>
-          </a:p>
-          <a:p>
-            <a:endParaRPr kumimoji="1" lang="zh-CN" altLang="en-US" dirty="0"/>
-          </a:p>
-          <a:p>
-            <a:endParaRPr kumimoji="1" lang="zh-CN" altLang="en-US" dirty="0"/>
+              <a:t>competitions.codalab.org/competitions/19935</a:t>
+            </a:r>
+            <a:endParaRPr lang="en-US" altLang="zh-CN" dirty="0"/>
           </a:p>
         </p:txBody>
       </p:sp>
     </p:spTree>
     <p:extLst>
       <p:ext uri="{BB962C8B-B14F-4D97-AF65-F5344CB8AC3E}">
-        <p14:creationId xmlns:p14="http://schemas.microsoft.com/office/powerpoint/2010/main" val="1303744786"/>
+        <p14:creationId xmlns:p14="http://schemas.microsoft.com/office/powerpoint/2010/main" val="608736846"/>
       </p:ext>
     </p:extLst>
   </p:cSld>
   <p:clrMapOvr>
     <a:masterClrMapping/>
   </p:clrMapOvr>
+  <p:timing>
+    <p:tnLst>
+      <p:par>
+        <p:cTn id="1" dur="indefinite" restart="never" nodeType="tmRoot"/>
+      </p:par>
+    </p:tnLst>
+  </p:timing>
 </p:sld>
 </file>
 
@@ -8172,12 +8928,18 @@
         </p:nvSpPr>
         <p:spPr/>
         <p:txBody>
-          <a:bodyPr/>
+          <a:bodyPr>
+            <a:normAutofit/>
+          </a:bodyPr>
           <a:lstStyle/>
           <a:p>
             <a:r>
+              <a:rPr lang="en-US" altLang="zh-CN" dirty="0" smtClean="0"/>
+              <a:t>Task </a:t>
+            </a:r>
+            <a:r>
               <a:rPr lang="en-US" altLang="zh-CN" dirty="0"/>
-              <a:t>Task 5 - Shared Task on Multilingual Detection of Hate (</a:t>
+              <a:t>5 - Shared Task on Multilingual Detection of Hate (</a:t>
             </a:r>
             <a:r>
               <a:rPr lang="en-US" altLang="zh-CN" dirty="0" err="1"/>
@@ -8198,158 +8960,260 @@
             <a:spLocks noGrp="1"/>
           </p:cNvSpPr>
           <p:nvPr>
-            <p:ph sz="half" idx="1"/>
-          </p:nvPr>
-        </p:nvSpPr>
-        <p:spPr>
-          <a:xfrm>
-            <a:off x="1097279" y="1845734"/>
-            <a:ext cx="3617596" cy="4023360"/>
-          </a:xfrm>
-        </p:spPr>
+            <p:ph idx="1"/>
+          </p:nvPr>
+        </p:nvSpPr>
+        <p:spPr/>
         <p:txBody>
-          <a:bodyPr>
-            <a:normAutofit/>
-          </a:bodyPr>
+          <a:bodyPr/>
           <a:lstStyle/>
           <a:p>
-            <a:r>
-              <a:rPr kumimoji="1" lang="en-US" altLang="zh-CN" dirty="0" smtClean="0"/>
-              <a:t>Dataset</a:t>
+            <a:endParaRPr lang="en-US" altLang="zh-CN" b="1" dirty="0" smtClean="0"/>
+          </a:p>
+          <a:p>
+            <a:r>
+              <a:rPr lang="en-US" altLang="zh-CN" b="1" dirty="0" smtClean="0"/>
+              <a:t>TASK </a:t>
+            </a:r>
+            <a:r>
+              <a:rPr lang="en-US" altLang="zh-CN" b="1" dirty="0"/>
+              <a:t>A - Hate Speech Detection against Immigrants and </a:t>
+            </a:r>
+            <a:r>
+              <a:rPr lang="en-US" altLang="zh-CN" b="1" dirty="0" smtClean="0"/>
+              <a:t>Women</a:t>
             </a:r>
           </a:p>
           <a:p>
             <a:pPr lvl="1"/>
             <a:r>
-              <a:rPr kumimoji="1" lang="en-US" altLang="zh-CN" dirty="0" smtClean="0"/>
-              <a:t>English</a:t>
+              <a:rPr lang="en-US" altLang="zh-CN" dirty="0" smtClean="0"/>
+              <a:t>a </a:t>
+            </a:r>
+            <a:r>
+              <a:rPr lang="en-US" altLang="zh-CN" dirty="0"/>
+              <a:t>two-class (or binary) </a:t>
+            </a:r>
+            <a:r>
+              <a:rPr lang="en-US" altLang="zh-CN" dirty="0" smtClean="0"/>
+              <a:t>classification</a:t>
             </a:r>
           </a:p>
           <a:p>
             <a:pPr lvl="2"/>
             <a:r>
-              <a:rPr kumimoji="1" lang="en-US" altLang="zh-CN" dirty="0" smtClean="0"/>
-              <a:t>Train/Dev/Trial  </a:t>
-            </a:r>
-            <a:r>
-              <a:rPr kumimoji="1" lang="en-US" altLang="zh-CN" dirty="0"/>
-              <a:t>9000 </a:t>
-            </a:r>
-            <a:r>
-              <a:rPr kumimoji="1" lang="en-US" altLang="zh-CN" dirty="0" smtClean="0"/>
-              <a:t>/1000/100 samples</a:t>
-            </a:r>
-          </a:p>
-          <a:p>
-            <a:pPr lvl="1"/>
-            <a:r>
-              <a:rPr kumimoji="1" lang="en-US" altLang="zh-CN" dirty="0" err="1" smtClean="0"/>
-              <a:t>Espanol</a:t>
-            </a:r>
-            <a:endParaRPr kumimoji="1" lang="en-US" altLang="zh-CN" dirty="0" smtClean="0"/>
-          </a:p>
-          <a:p>
-            <a:pPr lvl="2"/>
-            <a:r>
-              <a:rPr kumimoji="1" lang="en-US" altLang="zh-CN" dirty="0" err="1" smtClean="0"/>
-              <a:t>TrainDev</a:t>
-            </a:r>
-            <a:r>
-              <a:rPr kumimoji="1" lang="en-US" altLang="zh-CN" dirty="0" smtClean="0"/>
-              <a:t>/Trial</a:t>
-            </a:r>
-            <a:r>
-              <a:rPr kumimoji="1" lang="en-US" altLang="zh-CN" dirty="0"/>
-              <a:t>: 4500/500/100 samples</a:t>
-            </a:r>
-          </a:p>
-          <a:p>
-            <a:pPr lvl="1"/>
-            <a:endParaRPr kumimoji="1" lang="en-US" altLang="zh-CN" dirty="0" smtClean="0"/>
-          </a:p>
-        </p:txBody>
-      </p:sp>
-      <p:sp>
-        <p:nvSpPr>
-          <p:cNvPr id="9" name="内容占位符 8"/>
-          <p:cNvSpPr>
-            <a:spLocks noGrp="1"/>
-          </p:cNvSpPr>
-          <p:nvPr>
-            <p:ph sz="half" idx="2"/>
-          </p:nvPr>
-        </p:nvSpPr>
-        <p:spPr>
-          <a:xfrm>
-            <a:off x="5000625" y="1845735"/>
-            <a:ext cx="6155055" cy="4023360"/>
-          </a:xfrm>
-        </p:spPr>
-        <p:txBody>
-          <a:bodyPr>
-            <a:normAutofit/>
-          </a:bodyPr>
-          <a:lstStyle/>
-          <a:p>
-            <a:endParaRPr kumimoji="1" lang="en-US" altLang="zh-CN" sz="1600" dirty="0" smtClean="0"/>
-          </a:p>
-          <a:p>
-            <a:r>
-              <a:rPr kumimoji="1" lang="en-US" altLang="zh-CN" sz="1600" dirty="0" smtClean="0"/>
-              <a:t>Label</a:t>
-            </a:r>
-          </a:p>
-          <a:p>
-            <a:pPr lvl="1"/>
-            <a:r>
-              <a:rPr kumimoji="1" lang="en-US" altLang="zh-CN" sz="1400" dirty="0" smtClean="0"/>
-              <a:t>HS: a </a:t>
-            </a:r>
-            <a:r>
-              <a:rPr kumimoji="1" lang="en-US" altLang="zh-CN" sz="1400" dirty="0"/>
-              <a:t>binary value {1|0} indicating if </a:t>
-            </a:r>
-            <a:r>
-              <a:rPr kumimoji="1" lang="en-US" altLang="zh-CN" sz="1400" b="1" dirty="0">
+              <a:rPr lang="en-US" altLang="zh-CN" dirty="0" smtClean="0">
+                <a:solidFill>
+                  <a:srgbClr val="404040"/>
+                </a:solidFill>
+              </a:rPr>
+              <a:t>whether </a:t>
+            </a:r>
+            <a:r>
+              <a:rPr lang="en-US" altLang="zh-CN" dirty="0">
+                <a:solidFill>
+                  <a:srgbClr val="404040"/>
+                </a:solidFill>
+              </a:rPr>
+              <a:t>a tweet in English or in Spanish with a </a:t>
+            </a:r>
+            <a:r>
+              <a:rPr lang="en-US" altLang="zh-CN" b="1" dirty="0">
                 <a:solidFill>
                   <a:srgbClr val="FF0000"/>
                 </a:solidFill>
               </a:rPr>
-              <a:t>hate speech </a:t>
-            </a:r>
-            <a:r>
-              <a:rPr kumimoji="1" lang="en-US" altLang="zh-CN" sz="1400" dirty="0"/>
-              <a:t>is </a:t>
-            </a:r>
-            <a:r>
-              <a:rPr kumimoji="1" lang="en-US" altLang="zh-CN" sz="1400" b="1" dirty="0">
+              <a:t>given target</a:t>
+            </a:r>
+            <a:r>
+              <a:rPr lang="en-US" altLang="zh-CN" dirty="0">
+                <a:solidFill>
+                  <a:srgbClr val="404040"/>
+                </a:solidFill>
+              </a:rPr>
+              <a:t> (women or immigrants) is </a:t>
+            </a:r>
+            <a:r>
+              <a:rPr lang="en-US" altLang="zh-CN" b="1" dirty="0">
                 <a:solidFill>
                   <a:srgbClr val="FF0000"/>
                 </a:solidFill>
               </a:rPr>
-              <a:t>occurring</a:t>
-            </a:r>
-            <a:r>
-              <a:rPr kumimoji="1" lang="en-US" altLang="zh-CN" sz="1400" dirty="0"/>
-              <a:t> against one of the given targets, women or </a:t>
-            </a:r>
-            <a:r>
-              <a:rPr kumimoji="1" lang="en-US" altLang="zh-CN" sz="1400" dirty="0" smtClean="0"/>
-              <a:t>immigrants</a:t>
+              <a:t>hateful</a:t>
+            </a:r>
+            <a:r>
+              <a:rPr lang="en-US" altLang="zh-CN" dirty="0">
+                <a:solidFill>
+                  <a:srgbClr val="404040"/>
+                </a:solidFill>
+              </a:rPr>
+              <a:t> or </a:t>
+            </a:r>
+            <a:r>
+              <a:rPr lang="en-US" altLang="zh-CN" b="1" dirty="0">
+                <a:solidFill>
+                  <a:srgbClr val="FF0000"/>
+                </a:solidFill>
+              </a:rPr>
+              <a:t>not hateful</a:t>
+            </a:r>
+            <a:r>
+              <a:rPr lang="en-US" altLang="zh-CN" dirty="0">
+                <a:solidFill>
+                  <a:srgbClr val="404040"/>
+                </a:solidFill>
+              </a:rPr>
+              <a:t>.</a:t>
+            </a:r>
+          </a:p>
+          <a:p>
+            <a:endParaRPr lang="en-US" altLang="zh-CN" b="1" dirty="0" smtClean="0"/>
+          </a:p>
+          <a:p>
+            <a:r>
+              <a:rPr lang="en-US" altLang="zh-CN" b="1" dirty="0" smtClean="0"/>
+              <a:t>TASK </a:t>
+            </a:r>
+            <a:r>
+              <a:rPr lang="en-US" altLang="zh-CN" b="1" dirty="0"/>
+              <a:t>B - </a:t>
+            </a:r>
+            <a:r>
+              <a:rPr lang="en-US" altLang="zh-CN" b="1" dirty="0">
+                <a:solidFill>
+                  <a:srgbClr val="FF0000"/>
+                </a:solidFill>
+              </a:rPr>
+              <a:t>Aggressive</a:t>
+            </a:r>
+            <a:r>
+              <a:rPr lang="en-US" altLang="zh-CN" b="1" dirty="0"/>
+              <a:t> behavior and </a:t>
+            </a:r>
+            <a:r>
+              <a:rPr lang="en-US" altLang="zh-CN" b="1" dirty="0">
+                <a:solidFill>
+                  <a:srgbClr val="FF0000"/>
+                </a:solidFill>
+              </a:rPr>
+              <a:t>Target</a:t>
+            </a:r>
+            <a:r>
+              <a:rPr lang="en-US" altLang="zh-CN" b="1" dirty="0"/>
+              <a:t> </a:t>
+            </a:r>
+            <a:r>
+              <a:rPr lang="en-US" altLang="zh-CN" b="1" dirty="0" smtClean="0"/>
+              <a:t>Classification</a:t>
             </a:r>
           </a:p>
           <a:p>
             <a:pPr lvl="1"/>
             <a:r>
-              <a:rPr kumimoji="1" lang="en-US" altLang="zh-CN" sz="1400" dirty="0" smtClean="0"/>
-              <a:t>TR: if HS=1, a </a:t>
-            </a:r>
-            <a:r>
-              <a:rPr kumimoji="1" lang="en-US" altLang="zh-CN" sz="1400" dirty="0"/>
-              <a:t>binary value indicating if the </a:t>
-            </a:r>
-            <a:r>
-              <a:rPr kumimoji="1" lang="en-US" altLang="zh-CN" sz="1400" b="1" dirty="0">
+              <a:rPr lang="en-US" altLang="zh-CN" dirty="0" smtClean="0">
+                <a:solidFill>
+                  <a:schemeClr val="tx1"/>
+                </a:solidFill>
+              </a:rPr>
+              <a:t>first </a:t>
+            </a:r>
+            <a:r>
+              <a:rPr lang="en-US" altLang="zh-CN" dirty="0">
+                <a:solidFill>
+                  <a:schemeClr val="tx1"/>
+                </a:solidFill>
+              </a:rPr>
+              <a:t>to classify </a:t>
+            </a:r>
+            <a:r>
+              <a:rPr lang="en-US" altLang="zh-CN" b="1" dirty="0">
+                <a:solidFill>
+                  <a:srgbClr val="FF0000"/>
+                </a:solidFill>
+              </a:rPr>
+              <a:t>hateful</a:t>
+            </a:r>
+            <a:r>
+              <a:rPr lang="en-US" altLang="zh-CN" dirty="0">
+                <a:solidFill>
+                  <a:schemeClr val="tx1"/>
+                </a:solidFill>
+              </a:rPr>
+              <a:t> </a:t>
+            </a:r>
+            <a:r>
+              <a:rPr lang="en-US" altLang="zh-CN" b="1" dirty="0">
+                <a:solidFill>
+                  <a:srgbClr val="FF0000"/>
+                </a:solidFill>
+              </a:rPr>
+              <a:t>tweets</a:t>
+            </a:r>
+            <a:r>
+              <a:rPr lang="en-US" altLang="zh-CN" dirty="0">
+                <a:solidFill>
+                  <a:schemeClr val="tx1"/>
+                </a:solidFill>
+              </a:rPr>
+              <a:t> </a:t>
+            </a:r>
+            <a:r>
+              <a:rPr lang="en-US" altLang="zh-CN" dirty="0"/>
+              <a:t>for English and Spanish (e.g., tweets where Hate Speech against women or immigrants has been </a:t>
+            </a:r>
+            <a:r>
+              <a:rPr lang="en-US" altLang="zh-CN" dirty="0">
+                <a:solidFill>
+                  <a:srgbClr val="404040"/>
+                </a:solidFill>
+              </a:rPr>
+              <a:t>identified) as </a:t>
+            </a:r>
+            <a:r>
+              <a:rPr lang="en-US" altLang="zh-CN" b="1" dirty="0">
+                <a:solidFill>
+                  <a:srgbClr val="FF0000"/>
+                </a:solidFill>
+              </a:rPr>
+              <a:t>aggressive</a:t>
+            </a:r>
+            <a:r>
+              <a:rPr lang="en-US" altLang="zh-CN" dirty="0">
+                <a:solidFill>
+                  <a:srgbClr val="404040"/>
+                </a:solidFill>
+              </a:rPr>
+              <a:t> or </a:t>
+            </a:r>
+            <a:r>
+              <a:rPr lang="en-US" altLang="zh-CN" b="1" dirty="0">
+                <a:solidFill>
+                  <a:srgbClr val="FF0000"/>
+                </a:solidFill>
+              </a:rPr>
+              <a:t>not </a:t>
+            </a:r>
+            <a:r>
+              <a:rPr lang="en-US" altLang="zh-CN" b="1" dirty="0" smtClean="0">
+                <a:solidFill>
+                  <a:srgbClr val="FF0000"/>
+                </a:solidFill>
+              </a:rPr>
+              <a:t>aggressive</a:t>
+            </a:r>
+          </a:p>
+          <a:p>
+            <a:pPr lvl="1"/>
+            <a:r>
+              <a:rPr lang="en-US" altLang="zh-CN" dirty="0" smtClean="0"/>
+              <a:t>second </a:t>
+            </a:r>
+            <a:r>
+              <a:rPr lang="en-US" altLang="zh-CN" dirty="0"/>
+              <a:t>to identify the </a:t>
+            </a:r>
+            <a:r>
+              <a:rPr lang="en-US" altLang="zh-CN" b="1" dirty="0">
                 <a:solidFill>
                   <a:srgbClr val="FF0000"/>
                 </a:solidFill>
@@ -8357,23 +9221,27 @@
               <a:t>target</a:t>
             </a:r>
             <a:r>
-              <a:rPr kumimoji="1" lang="en-US" altLang="zh-CN" sz="1400" dirty="0"/>
-              <a:t> is a generic group of </a:t>
-            </a:r>
-            <a:r>
-              <a:rPr kumimoji="1" lang="en-US" altLang="zh-CN" sz="1400" b="1" dirty="0">
+              <a:rPr lang="en-US" altLang="zh-CN" dirty="0"/>
+              <a:t> </a:t>
+            </a:r>
+            <a:r>
+              <a:rPr lang="en-US" altLang="zh-CN" b="1" dirty="0">
                 <a:solidFill>
                   <a:srgbClr val="FF0000"/>
                 </a:solidFill>
               </a:rPr>
-              <a:t>people</a:t>
-            </a:r>
-            <a:r>
-              <a:rPr kumimoji="1" lang="en-US" altLang="zh-CN" sz="1400" dirty="0"/>
-              <a:t> (0) or a specific </a:t>
-            </a:r>
-            <a:r>
-              <a:rPr kumimoji="1" lang="en-US" altLang="zh-CN" sz="1400" b="1" dirty="0">
+              <a:t>harassed</a:t>
+            </a:r>
+            <a:r>
+              <a:rPr lang="en-US" altLang="zh-CN" dirty="0">
+                <a:solidFill>
+                  <a:srgbClr val="404040"/>
+                </a:solidFill>
+              </a:rPr>
+              <a:t> as </a:t>
+            </a:r>
+            <a:r>
+              <a:rPr lang="en-US" altLang="zh-CN" b="1" dirty="0">
                 <a:solidFill>
                   <a:srgbClr val="FF0000"/>
                 </a:solidFill>
@@ -8381,7 +9249,7 @@
               <a:t>individual</a:t>
             </a:r>
             <a:r>
-              <a:rPr kumimoji="1" lang="en-US" altLang="zh-CN" sz="1400" dirty="0">
+              <a:rPr lang="en-US" altLang="zh-CN" dirty="0">
                 <a:solidFill>
                   <a:srgbClr val="FF0000"/>
                 </a:solidFill>
@@ -8389,783 +9257,59 @@
               <a:t> </a:t>
             </a:r>
             <a:r>
-              <a:rPr kumimoji="1" lang="en-US" altLang="zh-CN" sz="1400" dirty="0"/>
-              <a:t>(1</a:t>
-            </a:r>
-            <a:r>
-              <a:rPr kumimoji="1" lang="en-US" altLang="zh-CN" sz="1400" dirty="0" smtClean="0"/>
-              <a:t>)</a:t>
-            </a:r>
-          </a:p>
-          <a:p>
-            <a:pPr lvl="1"/>
-            <a:r>
-              <a:rPr kumimoji="1" lang="en-US" altLang="zh-CN" sz="1400" dirty="0" smtClean="0"/>
-              <a:t>AG: If HS=1, a </a:t>
-            </a:r>
-            <a:r>
-              <a:rPr kumimoji="1" lang="en-US" altLang="zh-CN" sz="1400" dirty="0"/>
-              <a:t>binary value indicating if the tweeter is </a:t>
-            </a:r>
-            <a:r>
-              <a:rPr kumimoji="1" lang="en-US" altLang="zh-CN" sz="1400" b="1" dirty="0">
+              <a:rPr lang="en-US" altLang="zh-CN" dirty="0">
+                <a:solidFill>
+                  <a:srgbClr val="404040"/>
+                </a:solidFill>
+              </a:rPr>
+              <a:t>or </a:t>
+            </a:r>
+            <a:r>
+              <a:rPr lang="en-US" altLang="zh-CN" b="1" dirty="0">
                 <a:solidFill>
                   <a:srgbClr val="FF0000"/>
                 </a:solidFill>
               </a:rPr>
-              <a:t>aggressive</a:t>
-            </a:r>
-            <a:r>
-              <a:rPr kumimoji="1" lang="en-US" altLang="zh-CN" sz="1400" dirty="0"/>
-              <a:t> (1) or </a:t>
-            </a:r>
-            <a:r>
-              <a:rPr kumimoji="1" lang="en-US" altLang="zh-CN" sz="1400" b="1" dirty="0">
+              <a:t>generic</a:t>
+            </a:r>
+            <a:r>
+              <a:rPr lang="en-US" altLang="zh-CN" dirty="0">
                 <a:solidFill>
-                  <a:srgbClr val="FF0000"/>
+                  <a:srgbClr val="404040"/>
                 </a:solidFill>
               </a:rPr>
-              <a:t>not</a:t>
-            </a:r>
-            <a:r>
-              <a:rPr kumimoji="1" lang="en-US" altLang="zh-CN" sz="1400" dirty="0"/>
-              <a:t> (0</a:t>
-            </a:r>
-            <a:r>
-              <a:rPr kumimoji="1" lang="en-US" altLang="zh-CN" sz="1400" dirty="0" smtClean="0"/>
-              <a:t>)</a:t>
-            </a:r>
-            <a:endParaRPr kumimoji="1" lang="zh-CN" altLang="en-US" sz="1400" dirty="0"/>
+              <a:t> (i.e. single </a:t>
+            </a:r>
+            <a:r>
+              <a:rPr lang="en-US" altLang="zh-CN" dirty="0"/>
+              <a:t>human or group).</a:t>
+            </a:r>
+          </a:p>
+          <a:p>
+            <a:endParaRPr kumimoji="1" lang="zh-CN" altLang="en-US" dirty="0"/>
+          </a:p>
+          <a:p>
+            <a:endParaRPr kumimoji="1" lang="zh-CN" altLang="en-US" dirty="0"/>
           </a:p>
         </p:txBody>
       </p:sp>
-      <p:graphicFrame>
-        <p:nvGraphicFramePr>
-          <p:cNvPr id="8" name="表格 7"/>
-          <p:cNvGraphicFramePr>
-            <a:graphicFrameLocks noGrp="1"/>
-          </p:cNvGraphicFramePr>
-          <p:nvPr>
-            <p:extLst>
-              <p:ext uri="{D42A27DB-BD31-4B8C-83A1-F6EECF244321}">
-                <p14:modId xmlns:p14="http://schemas.microsoft.com/office/powerpoint/2010/main" val="1490979802"/>
-              </p:ext>
-            </p:extLst>
-          </p:nvPr>
-        </p:nvGraphicFramePr>
-        <p:xfrm>
-          <a:off x="907712" y="3957148"/>
-          <a:ext cx="10437535" cy="2020320"/>
-        </p:xfrm>
-        <a:graphic>
-          <a:graphicData uri="http://schemas.openxmlformats.org/drawingml/2006/table">
-            <a:tbl>
-              <a:tblPr firstRow="1" bandRow="1">
-                <a:tableStyleId>{5C22544A-7EE6-4342-B048-85BDC9FD1C3A}</a:tableStyleId>
-              </a:tblPr>
-              <a:tblGrid>
-                <a:gridCol w="464162"/>
-                <a:gridCol w="8758685"/>
-                <a:gridCol w="405425"/>
-                <a:gridCol w="387963"/>
-                <a:gridCol w="421300"/>
-              </a:tblGrid>
-              <a:tr h="0">
-                <a:tc>
-                  <a:txBody>
-                    <a:bodyPr/>
-                    <a:lstStyle/>
-                    <a:p>
-                      <a:pPr algn="l" fontAlgn="b"/>
-                      <a:r>
-                        <a:rPr lang="en-US" sz="1200" b="0" i="0" u="none" strike="noStrike" dirty="0">
-                          <a:solidFill>
-                            <a:srgbClr val="000000"/>
-                          </a:solidFill>
-                          <a:effectLst/>
-                          <a:latin typeface="DengXian" charset="-122"/>
-                        </a:rPr>
-                        <a:t>id</a:t>
-                      </a:r>
-                    </a:p>
-                  </a:txBody>
-                  <a:tcPr marL="90000" marR="90000" marT="46800" marB="46800" anchor="b"/>
-                </a:tc>
-                <a:tc>
-                  <a:txBody>
-                    <a:bodyPr/>
-                    <a:lstStyle/>
-                    <a:p>
-                      <a:pPr algn="l" fontAlgn="b"/>
-                      <a:r>
-                        <a:rPr lang="en-US" sz="1200" b="0" i="0" u="none" strike="noStrike" dirty="0">
-                          <a:solidFill>
-                            <a:srgbClr val="000000"/>
-                          </a:solidFill>
-                          <a:effectLst/>
-                          <a:latin typeface="DengXian" charset="-122"/>
-                        </a:rPr>
-                        <a:t>text</a:t>
-                      </a:r>
-                    </a:p>
-                  </a:txBody>
-                  <a:tcPr marL="90000" marR="90000" marT="46800" marB="46800" anchor="b"/>
-                </a:tc>
-                <a:tc>
-                  <a:txBody>
-                    <a:bodyPr/>
-                    <a:lstStyle/>
-                    <a:p>
-                      <a:pPr algn="l" fontAlgn="b"/>
-                      <a:r>
-                        <a:rPr lang="en-US" sz="1200" b="0" i="0" u="none" strike="noStrike">
-                          <a:solidFill>
-                            <a:srgbClr val="000000"/>
-                          </a:solidFill>
-                          <a:effectLst/>
-                          <a:latin typeface="DengXian" charset="-122"/>
-                        </a:rPr>
-                        <a:t>HS</a:t>
-                      </a:r>
-                    </a:p>
-                  </a:txBody>
-                  <a:tcPr marL="90000" marR="90000" marT="46800" marB="46800" anchor="b"/>
-                </a:tc>
-                <a:tc>
-                  <a:txBody>
-                    <a:bodyPr/>
-                    <a:lstStyle/>
-                    <a:p>
-                      <a:pPr algn="l" fontAlgn="b"/>
-                      <a:r>
-                        <a:rPr lang="en-US" sz="1200" b="0" i="0" u="none" strike="noStrike" dirty="0">
-                          <a:solidFill>
-                            <a:srgbClr val="000000"/>
-                          </a:solidFill>
-                          <a:effectLst/>
-                          <a:latin typeface="DengXian" charset="-122"/>
-                        </a:rPr>
-                        <a:t>TR</a:t>
-                      </a:r>
-                    </a:p>
-                  </a:txBody>
-                  <a:tcPr marL="90000" marR="90000" marT="46800" marB="46800" anchor="b"/>
-                </a:tc>
-                <a:tc>
-                  <a:txBody>
-                    <a:bodyPr/>
-                    <a:lstStyle/>
-                    <a:p>
-                      <a:pPr algn="l" fontAlgn="b"/>
-                      <a:r>
-                        <a:rPr lang="en-US" sz="1200" b="0" i="0" u="none" strike="noStrike">
-                          <a:solidFill>
-                            <a:srgbClr val="000000"/>
-                          </a:solidFill>
-                          <a:effectLst/>
-                          <a:latin typeface="DengXian" charset="-122"/>
-                        </a:rPr>
-                        <a:t>AG</a:t>
-                      </a:r>
-                    </a:p>
-                  </a:txBody>
-                  <a:tcPr marL="90000" marR="90000" marT="46800" marB="46800" anchor="b"/>
-                </a:tc>
-              </a:tr>
-              <a:tr h="0">
-                <a:tc>
-                  <a:txBody>
-                    <a:bodyPr/>
-                    <a:lstStyle/>
-                    <a:p>
-                      <a:pPr algn="l" fontAlgn="b"/>
-                      <a:r>
-                        <a:rPr lang="is-IS" sz="1200" b="0" i="0" u="none" strike="noStrike">
-                          <a:solidFill>
-                            <a:srgbClr val="000000"/>
-                          </a:solidFill>
-                          <a:effectLst/>
-                          <a:latin typeface="DengXian" charset="-122"/>
-                        </a:rPr>
-                        <a:t>201</a:t>
-                      </a:r>
-                    </a:p>
-                  </a:txBody>
-                  <a:tcPr marL="90000" marR="90000" marT="46800" marB="46800" anchor="b"/>
-                </a:tc>
-                <a:tc>
-                  <a:txBody>
-                    <a:bodyPr/>
-                    <a:lstStyle/>
-                    <a:p>
-                      <a:pPr algn="l" fontAlgn="b"/>
-                      <a:r>
-                        <a:rPr lang="en-US" sz="1200" b="0" i="0" u="none" strike="noStrike" dirty="0">
-                          <a:solidFill>
-                            <a:srgbClr val="000000"/>
-                          </a:solidFill>
-                          <a:effectLst/>
-                          <a:latin typeface="DengXian" charset="-122"/>
-                        </a:rPr>
-                        <a:t>Hurray, saving us $$$ in so many ways @</a:t>
-                      </a:r>
-                      <a:r>
-                        <a:rPr lang="en-US" sz="1200" b="0" i="0" u="none" strike="noStrike" dirty="0" err="1">
-                          <a:solidFill>
-                            <a:srgbClr val="000000"/>
-                          </a:solidFill>
-                          <a:effectLst/>
-                          <a:latin typeface="DengXian" charset="-122"/>
-                        </a:rPr>
-                        <a:t>potus</a:t>
-                      </a:r>
-                      <a:r>
-                        <a:rPr lang="en-US" sz="1200" b="0" i="0" u="none" strike="noStrike" dirty="0">
-                          <a:solidFill>
-                            <a:srgbClr val="000000"/>
-                          </a:solidFill>
-                          <a:effectLst/>
-                          <a:latin typeface="DengXian" charset="-122"/>
-                        </a:rPr>
-                        <a:t> @</a:t>
-                      </a:r>
-                      <a:r>
-                        <a:rPr lang="en-US" sz="1200" b="0" i="0" u="none" strike="noStrike" dirty="0" err="1">
-                          <a:solidFill>
-                            <a:srgbClr val="000000"/>
-                          </a:solidFill>
-                          <a:effectLst/>
-                          <a:latin typeface="DengXian" charset="-122"/>
-                        </a:rPr>
-                        <a:t>realDonaldTrump</a:t>
-                      </a:r>
-                      <a:r>
-                        <a:rPr lang="en-US" sz="1200" b="0" i="0" u="none" strike="noStrike" dirty="0">
-                          <a:solidFill>
-                            <a:srgbClr val="000000"/>
-                          </a:solidFill>
-                          <a:effectLst/>
-                          <a:latin typeface="DengXian" charset="-122"/>
-                        </a:rPr>
-                        <a:t> #</a:t>
-                      </a:r>
-                      <a:r>
-                        <a:rPr lang="en-US" sz="1200" b="0" i="0" u="none" strike="noStrike" dirty="0" err="1">
-                          <a:solidFill>
-                            <a:srgbClr val="000000"/>
-                          </a:solidFill>
-                          <a:effectLst/>
-                          <a:latin typeface="DengXian" charset="-122"/>
-                        </a:rPr>
-                        <a:t>LockThemUp</a:t>
-                      </a:r>
-                      <a:r>
-                        <a:rPr lang="en-US" sz="1200" b="0" i="0" u="none" strike="noStrike" dirty="0">
-                          <a:solidFill>
-                            <a:srgbClr val="000000"/>
-                          </a:solidFill>
-                          <a:effectLst/>
-                          <a:latin typeface="DengXian" charset="-122"/>
-                        </a:rPr>
-                        <a:t> #</a:t>
-                      </a:r>
-                      <a:r>
-                        <a:rPr lang="en-US" sz="1200" b="0" i="0" u="none" strike="noStrike" dirty="0" err="1">
-                          <a:solidFill>
-                            <a:srgbClr val="000000"/>
-                          </a:solidFill>
-                          <a:effectLst/>
-                          <a:latin typeface="DengXian" charset="-122"/>
-                        </a:rPr>
-                        <a:t>BuildTheWall</a:t>
-                      </a:r>
-                      <a:r>
-                        <a:rPr lang="en-US" sz="1200" b="0" i="0" u="none" strike="noStrike" dirty="0">
-                          <a:solidFill>
-                            <a:srgbClr val="000000"/>
-                          </a:solidFill>
-                          <a:effectLst/>
-                          <a:latin typeface="DengXian" charset="-122"/>
-                        </a:rPr>
-                        <a:t> #</a:t>
-                      </a:r>
-                      <a:r>
-                        <a:rPr lang="en-US" sz="1200" b="0" i="0" u="none" strike="noStrike" dirty="0" err="1">
-                          <a:solidFill>
-                            <a:srgbClr val="000000"/>
-                          </a:solidFill>
-                          <a:effectLst/>
-                          <a:latin typeface="DengXian" charset="-122"/>
-                        </a:rPr>
-                        <a:t>EndDACA</a:t>
-                      </a:r>
-                      <a:r>
-                        <a:rPr lang="en-US" sz="1200" b="0" i="0" u="none" strike="noStrike" dirty="0">
-                          <a:solidFill>
-                            <a:srgbClr val="000000"/>
-                          </a:solidFill>
-                          <a:effectLst/>
-                          <a:latin typeface="DengXian" charset="-122"/>
-                        </a:rPr>
-                        <a:t> #</a:t>
-                      </a:r>
-                      <a:r>
-                        <a:rPr lang="en-US" sz="1200" b="0" i="0" u="none" strike="noStrike" dirty="0" err="1">
-                          <a:solidFill>
-                            <a:srgbClr val="000000"/>
-                          </a:solidFill>
-                          <a:effectLst/>
-                          <a:latin typeface="DengXian" charset="-122"/>
-                        </a:rPr>
-                        <a:t>BoycottNFL</a:t>
-                      </a:r>
-                      <a:r>
-                        <a:rPr lang="en-US" sz="1200" b="0" i="0" u="none" strike="noStrike" dirty="0">
-                          <a:solidFill>
-                            <a:srgbClr val="000000"/>
-                          </a:solidFill>
-                          <a:effectLst/>
-                          <a:latin typeface="DengXian" charset="-122"/>
-                        </a:rPr>
-                        <a:t> #</a:t>
-                      </a:r>
-                      <a:r>
-                        <a:rPr lang="en-US" sz="1200" b="0" i="0" u="none" strike="noStrike" dirty="0" err="1">
-                          <a:solidFill>
-                            <a:srgbClr val="000000"/>
-                          </a:solidFill>
-                          <a:effectLst/>
-                          <a:latin typeface="DengXian" charset="-122"/>
-                        </a:rPr>
-                        <a:t>BoycottNike</a:t>
-                      </a:r>
-                      <a:endParaRPr lang="en-US" sz="1200" b="0" i="0" u="none" strike="noStrike" dirty="0">
-                        <a:solidFill>
-                          <a:srgbClr val="000000"/>
-                        </a:solidFill>
-                        <a:effectLst/>
-                        <a:latin typeface="DengXian" charset="-122"/>
-                      </a:endParaRPr>
-                    </a:p>
-                  </a:txBody>
-                  <a:tcPr marL="90000" marR="90000" marT="46800" marB="46800" anchor="b"/>
-                </a:tc>
-                <a:tc>
-                  <a:txBody>
-                    <a:bodyPr/>
-                    <a:lstStyle/>
-                    <a:p>
-                      <a:pPr algn="l" fontAlgn="b"/>
-                      <a:r>
-                        <a:rPr lang="en-US" altLang="zh-CN" sz="1200" b="0" i="0" u="none" strike="noStrike">
-                          <a:solidFill>
-                            <a:srgbClr val="000000"/>
-                          </a:solidFill>
-                          <a:effectLst/>
-                          <a:latin typeface="DengXian" charset="-122"/>
-                        </a:rPr>
-                        <a:t>1</a:t>
-                      </a:r>
-                    </a:p>
-                  </a:txBody>
-                  <a:tcPr marL="90000" marR="90000" marT="46800" marB="46800" anchor="b"/>
-                </a:tc>
-                <a:tc>
-                  <a:txBody>
-                    <a:bodyPr/>
-                    <a:lstStyle/>
-                    <a:p>
-                      <a:pPr algn="l" fontAlgn="b"/>
-                      <a:r>
-                        <a:rPr lang="en-US" altLang="zh-CN" sz="1200" b="0" i="0" u="none" strike="noStrike">
-                          <a:solidFill>
-                            <a:srgbClr val="000000"/>
-                          </a:solidFill>
-                          <a:effectLst/>
-                          <a:latin typeface="DengXian" charset="-122"/>
-                        </a:rPr>
-                        <a:t>0</a:t>
-                      </a:r>
-                    </a:p>
-                  </a:txBody>
-                  <a:tcPr marL="90000" marR="90000" marT="46800" marB="46800" anchor="b"/>
-                </a:tc>
-                <a:tc>
-                  <a:txBody>
-                    <a:bodyPr/>
-                    <a:lstStyle/>
-                    <a:p>
-                      <a:pPr algn="l" fontAlgn="b"/>
-                      <a:r>
-                        <a:rPr lang="en-US" altLang="zh-CN" sz="1200" b="0" i="0" u="none" strike="noStrike" dirty="0">
-                          <a:solidFill>
-                            <a:srgbClr val="000000"/>
-                          </a:solidFill>
-                          <a:effectLst/>
-                          <a:latin typeface="DengXian" charset="-122"/>
-                        </a:rPr>
-                        <a:t>0</a:t>
-                      </a:r>
-                    </a:p>
-                  </a:txBody>
-                  <a:tcPr marL="90000" marR="90000" marT="46800" marB="46800" anchor="b"/>
-                </a:tc>
-              </a:tr>
-              <a:tr h="0">
-                <a:tc>
-                  <a:txBody>
-                    <a:bodyPr/>
-                    <a:lstStyle/>
-                    <a:p>
-                      <a:pPr algn="l" fontAlgn="b"/>
-                      <a:r>
-                        <a:rPr lang="is-IS" sz="1200" b="0" i="0" u="none" strike="noStrike">
-                          <a:solidFill>
-                            <a:srgbClr val="000000"/>
-                          </a:solidFill>
-                          <a:effectLst/>
-                          <a:latin typeface="DengXian" charset="-122"/>
-                        </a:rPr>
-                        <a:t>202</a:t>
-                      </a:r>
-                    </a:p>
-                  </a:txBody>
-                  <a:tcPr marL="90000" marR="90000" marT="46800" marB="46800" anchor="b"/>
-                </a:tc>
-                <a:tc>
-                  <a:txBody>
-                    <a:bodyPr/>
-                    <a:lstStyle/>
-                    <a:p>
-                      <a:pPr algn="l" fontAlgn="b"/>
-                      <a:r>
-                        <a:rPr lang="en-US" sz="1200" b="0" i="0" u="none" strike="noStrike" dirty="0">
-                          <a:solidFill>
-                            <a:srgbClr val="000000"/>
-                          </a:solidFill>
-                          <a:effectLst/>
-                          <a:latin typeface="DengXian" charset="-122"/>
-                        </a:rPr>
-                        <a:t>Why would young fighting age men be the vast majority of the ones escaping a war &amp;amp; not those who cannot fight like women, children, and the </a:t>
-                      </a:r>
-                      <a:r>
-                        <a:rPr lang="en-US" sz="1200" b="0" i="0" u="none" strike="noStrike" dirty="0" err="1">
-                          <a:solidFill>
-                            <a:srgbClr val="000000"/>
-                          </a:solidFill>
-                          <a:effectLst/>
-                          <a:latin typeface="DengXian" charset="-122"/>
-                        </a:rPr>
-                        <a:t>elderly?It's</a:t>
-                      </a:r>
-                      <a:r>
-                        <a:rPr lang="en-US" sz="1200" b="0" i="0" u="none" strike="noStrike" dirty="0">
-                          <a:solidFill>
-                            <a:srgbClr val="000000"/>
-                          </a:solidFill>
-                          <a:effectLst/>
-                          <a:latin typeface="DengXian" charset="-122"/>
-                        </a:rPr>
-                        <a:t> because the majority of the refugees are not actually refugees they are economic migrants trying to get into Europe.... https://</a:t>
-                      </a:r>
-                      <a:r>
-                        <a:rPr lang="en-US" sz="1200" b="0" i="0" u="none" strike="noStrike" dirty="0" err="1">
-                          <a:solidFill>
-                            <a:srgbClr val="000000"/>
-                          </a:solidFill>
-                          <a:effectLst/>
-                          <a:latin typeface="DengXian" charset="-122"/>
-                        </a:rPr>
-                        <a:t>t.co</a:t>
-                      </a:r>
-                      <a:r>
-                        <a:rPr lang="en-US" sz="1200" b="0" i="0" u="none" strike="noStrike" dirty="0">
-                          <a:solidFill>
-                            <a:srgbClr val="000000"/>
-                          </a:solidFill>
-                          <a:effectLst/>
-                          <a:latin typeface="DengXian" charset="-122"/>
-                        </a:rPr>
-                        <a:t>/Ks0SHbtYqn</a:t>
-                      </a:r>
-                    </a:p>
-                  </a:txBody>
-                  <a:tcPr marL="90000" marR="90000" marT="46800" marB="46800" anchor="b"/>
-                </a:tc>
-                <a:tc>
-                  <a:txBody>
-                    <a:bodyPr/>
-                    <a:lstStyle/>
-                    <a:p>
-                      <a:pPr algn="l" fontAlgn="b"/>
-                      <a:r>
-                        <a:rPr lang="en-US" altLang="zh-CN" sz="1200" b="0" i="0" u="none" strike="noStrike">
-                          <a:solidFill>
-                            <a:srgbClr val="000000"/>
-                          </a:solidFill>
-                          <a:effectLst/>
-                          <a:latin typeface="DengXian" charset="-122"/>
-                        </a:rPr>
-                        <a:t>1</a:t>
-                      </a:r>
-                    </a:p>
-                  </a:txBody>
-                  <a:tcPr marL="90000" marR="90000" marT="46800" marB="46800" anchor="b"/>
-                </a:tc>
-                <a:tc>
-                  <a:txBody>
-                    <a:bodyPr/>
-                    <a:lstStyle/>
-                    <a:p>
-                      <a:pPr algn="l" fontAlgn="b"/>
-                      <a:r>
-                        <a:rPr lang="en-US" altLang="zh-CN" sz="1200" b="0" i="0" u="none" strike="noStrike">
-                          <a:solidFill>
-                            <a:srgbClr val="000000"/>
-                          </a:solidFill>
-                          <a:effectLst/>
-                          <a:latin typeface="DengXian" charset="-122"/>
-                        </a:rPr>
-                        <a:t>0</a:t>
-                      </a:r>
-                    </a:p>
-                  </a:txBody>
-                  <a:tcPr marL="90000" marR="90000" marT="46800" marB="46800" anchor="b"/>
-                </a:tc>
-                <a:tc>
-                  <a:txBody>
-                    <a:bodyPr/>
-                    <a:lstStyle/>
-                    <a:p>
-                      <a:pPr algn="l" fontAlgn="b"/>
-                      <a:r>
-                        <a:rPr lang="en-US" altLang="zh-CN" sz="1200" b="0" i="0" u="none" strike="noStrike">
-                          <a:solidFill>
-                            <a:srgbClr val="000000"/>
-                          </a:solidFill>
-                          <a:effectLst/>
-                          <a:latin typeface="DengXian" charset="-122"/>
-                        </a:rPr>
-                        <a:t>0</a:t>
-                      </a:r>
-                    </a:p>
-                  </a:txBody>
-                  <a:tcPr marL="90000" marR="90000" marT="46800" marB="46800" anchor="b"/>
-                </a:tc>
-              </a:tr>
-              <a:tr h="0">
-                <a:tc>
-                  <a:txBody>
-                    <a:bodyPr/>
-                    <a:lstStyle/>
-                    <a:p>
-                      <a:pPr algn="l" fontAlgn="b"/>
-                      <a:r>
-                        <a:rPr lang="is-IS" sz="1200" b="0" i="0" u="none" strike="noStrike">
-                          <a:solidFill>
-                            <a:srgbClr val="000000"/>
-                          </a:solidFill>
-                          <a:effectLst/>
-                          <a:latin typeface="DengXian" charset="-122"/>
-                        </a:rPr>
-                        <a:t>203</a:t>
-                      </a:r>
-                    </a:p>
-                  </a:txBody>
-                  <a:tcPr marL="90000" marR="90000" marT="46800" marB="46800" anchor="b"/>
-                </a:tc>
-                <a:tc>
-                  <a:txBody>
-                    <a:bodyPr/>
-                    <a:lstStyle/>
-                    <a:p>
-                      <a:pPr algn="l" fontAlgn="b"/>
-                      <a:r>
-                        <a:rPr lang="en-US" sz="1200" b="0" i="0" u="none" strike="noStrike" dirty="0">
-                          <a:solidFill>
-                            <a:srgbClr val="000000"/>
-                          </a:solidFill>
-                          <a:effectLst/>
-                          <a:latin typeface="DengXian" charset="-122"/>
-                        </a:rPr>
-                        <a:t>@</a:t>
-                      </a:r>
-                      <a:r>
-                        <a:rPr lang="en-US" sz="1200" b="0" i="0" u="none" strike="noStrike" dirty="0" err="1">
-                          <a:solidFill>
-                            <a:srgbClr val="000000"/>
-                          </a:solidFill>
-                          <a:effectLst/>
-                          <a:latin typeface="DengXian" charset="-122"/>
-                        </a:rPr>
-                        <a:t>KamalaHarris</a:t>
-                      </a:r>
-                      <a:r>
-                        <a:rPr lang="en-US" sz="1200" b="0" i="0" u="none" strike="noStrike" dirty="0">
-                          <a:solidFill>
-                            <a:srgbClr val="000000"/>
-                          </a:solidFill>
-                          <a:effectLst/>
-                          <a:latin typeface="DengXian" charset="-122"/>
-                        </a:rPr>
-                        <a:t> Illegals Dump their Kids at the border like Road Kill and Refuse to Unite! They Hope they get Amnesty, Free Education and Welfare Illegal #</a:t>
-                      </a:r>
-                      <a:r>
-                        <a:rPr lang="en-US" sz="1200" b="0" i="0" u="none" strike="noStrike" dirty="0" err="1">
-                          <a:solidFill>
-                            <a:srgbClr val="000000"/>
-                          </a:solidFill>
-                          <a:effectLst/>
-                          <a:latin typeface="DengXian" charset="-122"/>
-                        </a:rPr>
-                        <a:t>FamilesBelongTogether</a:t>
-                      </a:r>
-                      <a:r>
-                        <a:rPr lang="en-US" sz="1200" b="0" i="0" u="none" strike="noStrike" dirty="0">
-                          <a:solidFill>
-                            <a:srgbClr val="000000"/>
-                          </a:solidFill>
-                          <a:effectLst/>
-                          <a:latin typeface="DengXian" charset="-122"/>
-                        </a:rPr>
-                        <a:t> in their Country not on the Taxpayer Dime Its a SCAM #</a:t>
-                      </a:r>
-                      <a:r>
-                        <a:rPr lang="en-US" sz="1200" b="0" i="0" u="none" strike="noStrike" dirty="0" err="1">
-                          <a:solidFill>
-                            <a:srgbClr val="000000"/>
-                          </a:solidFill>
-                          <a:effectLst/>
-                          <a:latin typeface="DengXian" charset="-122"/>
-                        </a:rPr>
-                        <a:t>NoDACA</a:t>
-                      </a:r>
-                      <a:r>
-                        <a:rPr lang="en-US" sz="1200" b="0" i="0" u="none" strike="noStrike" dirty="0">
-                          <a:solidFill>
-                            <a:srgbClr val="000000"/>
-                          </a:solidFill>
-                          <a:effectLst/>
-                          <a:latin typeface="DengXian" charset="-122"/>
-                        </a:rPr>
-                        <a:t> #</a:t>
-                      </a:r>
-                      <a:r>
-                        <a:rPr lang="en-US" sz="1200" b="0" i="0" u="none" strike="noStrike" dirty="0" err="1">
-                          <a:solidFill>
-                            <a:srgbClr val="000000"/>
-                          </a:solidFill>
-                          <a:effectLst/>
-                          <a:latin typeface="DengXian" charset="-122"/>
-                        </a:rPr>
-                        <a:t>NoAmnesty</a:t>
-                      </a:r>
-                      <a:r>
-                        <a:rPr lang="en-US" sz="1200" b="0" i="0" u="none" strike="noStrike" dirty="0">
-                          <a:solidFill>
-                            <a:srgbClr val="000000"/>
-                          </a:solidFill>
-                          <a:effectLst/>
-                          <a:latin typeface="DengXian" charset="-122"/>
-                        </a:rPr>
-                        <a:t> #</a:t>
-                      </a:r>
-                      <a:r>
-                        <a:rPr lang="en-US" sz="1200" b="0" i="0" u="none" strike="noStrike" dirty="0" err="1">
-                          <a:solidFill>
-                            <a:srgbClr val="000000"/>
-                          </a:solidFill>
-                          <a:effectLst/>
-                          <a:latin typeface="DengXian" charset="-122"/>
-                        </a:rPr>
-                        <a:t>SendThe</a:t>
-                      </a:r>
-                      <a:endParaRPr lang="en-US" sz="1200" b="0" i="0" u="none" strike="noStrike" dirty="0">
-                        <a:solidFill>
-                          <a:srgbClr val="000000"/>
-                        </a:solidFill>
-                        <a:effectLst/>
-                        <a:latin typeface="DengXian" charset="-122"/>
-                      </a:endParaRPr>
-                    </a:p>
-                  </a:txBody>
-                  <a:tcPr marL="90000" marR="90000" marT="46800" marB="46800" anchor="b"/>
-                </a:tc>
-                <a:tc>
-                  <a:txBody>
-                    <a:bodyPr/>
-                    <a:lstStyle/>
-                    <a:p>
-                      <a:pPr algn="l" fontAlgn="b"/>
-                      <a:r>
-                        <a:rPr lang="en-US" altLang="zh-CN" sz="1200" b="0" i="0" u="none" strike="noStrike" dirty="0">
-                          <a:solidFill>
-                            <a:srgbClr val="000000"/>
-                          </a:solidFill>
-                          <a:effectLst/>
-                          <a:latin typeface="DengXian" charset="-122"/>
-                        </a:rPr>
-                        <a:t>1</a:t>
-                      </a:r>
-                    </a:p>
-                  </a:txBody>
-                  <a:tcPr marL="90000" marR="90000" marT="46800" marB="46800" anchor="b"/>
-                </a:tc>
-                <a:tc>
-                  <a:txBody>
-                    <a:bodyPr/>
-                    <a:lstStyle/>
-                    <a:p>
-                      <a:pPr algn="l" fontAlgn="b"/>
-                      <a:r>
-                        <a:rPr lang="en-US" altLang="zh-CN" sz="1200" b="0" i="0" u="none" strike="noStrike">
-                          <a:solidFill>
-                            <a:srgbClr val="000000"/>
-                          </a:solidFill>
-                          <a:effectLst/>
-                          <a:latin typeface="DengXian" charset="-122"/>
-                        </a:rPr>
-                        <a:t>0</a:t>
-                      </a:r>
-                    </a:p>
-                  </a:txBody>
-                  <a:tcPr marL="90000" marR="90000" marT="46800" marB="46800" anchor="b"/>
-                </a:tc>
-                <a:tc>
-                  <a:txBody>
-                    <a:bodyPr/>
-                    <a:lstStyle/>
-                    <a:p>
-                      <a:pPr algn="l" fontAlgn="b"/>
-                      <a:r>
-                        <a:rPr lang="en-US" altLang="zh-CN" sz="1200" b="0" i="0" u="none" strike="noStrike" dirty="0">
-                          <a:solidFill>
-                            <a:srgbClr val="000000"/>
-                          </a:solidFill>
-                          <a:effectLst/>
-                          <a:latin typeface="DengXian" charset="-122"/>
-                        </a:rPr>
-                        <a:t>0</a:t>
-                      </a:r>
-                    </a:p>
-                  </a:txBody>
-                  <a:tcPr marL="90000" marR="90000" marT="46800" marB="46800" anchor="b"/>
-                </a:tc>
-              </a:tr>
-            </a:tbl>
-          </a:graphicData>
-        </a:graphic>
-      </p:graphicFrame>
     </p:spTree>
     <p:extLst>
       <p:ext uri="{BB962C8B-B14F-4D97-AF65-F5344CB8AC3E}">
-        <p14:creationId xmlns:p14="http://schemas.microsoft.com/office/powerpoint/2010/main" val="1227932948"/>
+        <p14:creationId xmlns:p14="http://schemas.microsoft.com/office/powerpoint/2010/main" val="1303744786"/>
       </p:ext>
     </p:extLst>
   </p:cSld>
   <p:clrMapOvr>
     <a:masterClrMapping/>
   </p:clrMapOvr>
+  <p:timing>
+    <p:tnLst>
+      <p:par>
+        <p:cTn id="1" dur="indefinite" restart="never" nodeType="tmRoot"/>
+      </p:par>
+    </p:tnLst>
+  </p:timing>
 </p:sld>
 </file>
 
